--- a/pechacucha.pptx
+++ b/pechacucha.pptx
@@ -6,10 +6,10 @@
     <p:sldMasterId id="2147483720" r:id="rId2"/>
   </p:sldMasterIdLst>
   <p:notesMasterIdLst>
-    <p:notesMasterId r:id="rId21"/>
+    <p:notesMasterId r:id="rId23"/>
   </p:notesMasterIdLst>
   <p:handoutMasterIdLst>
-    <p:handoutMasterId r:id="rId22"/>
+    <p:handoutMasterId r:id="rId24"/>
   </p:handoutMasterIdLst>
   <p:sldIdLst>
     <p:sldId id="266" r:id="rId3"/>
@@ -18,18 +18,20 @@
     <p:sldId id="272" r:id="rId6"/>
     <p:sldId id="256" r:id="rId7"/>
     <p:sldId id="273" r:id="rId8"/>
-    <p:sldId id="274" r:id="rId9"/>
-    <p:sldId id="275" r:id="rId10"/>
-    <p:sldId id="276" r:id="rId11"/>
-    <p:sldId id="277" r:id="rId12"/>
-    <p:sldId id="278" r:id="rId13"/>
-    <p:sldId id="270" r:id="rId14"/>
-    <p:sldId id="271" r:id="rId15"/>
-    <p:sldId id="267" r:id="rId16"/>
-    <p:sldId id="268" r:id="rId17"/>
-    <p:sldId id="269" r:id="rId18"/>
-    <p:sldId id="279" r:id="rId19"/>
-    <p:sldId id="280" r:id="rId20"/>
+    <p:sldId id="282" r:id="rId9"/>
+    <p:sldId id="274" r:id="rId10"/>
+    <p:sldId id="275" r:id="rId11"/>
+    <p:sldId id="276" r:id="rId12"/>
+    <p:sldId id="277" r:id="rId13"/>
+    <p:sldId id="278" r:id="rId14"/>
+    <p:sldId id="270" r:id="rId15"/>
+    <p:sldId id="271" r:id="rId16"/>
+    <p:sldId id="267" r:id="rId17"/>
+    <p:sldId id="283" r:id="rId18"/>
+    <p:sldId id="268" r:id="rId19"/>
+    <p:sldId id="269" r:id="rId20"/>
+    <p:sldId id="279" r:id="rId21"/>
+    <p:sldId id="280" r:id="rId22"/>
   </p:sldIdLst>
   <p:sldSz cx="10080625" cy="7559675"/>
   <p:notesSz cx="7559675" cy="10691813"/>
@@ -139,6 +141,7 @@
             <p14:sldId id="272"/>
             <p14:sldId id="256"/>
             <p14:sldId id="273"/>
+            <p14:sldId id="282"/>
             <p14:sldId id="274"/>
             <p14:sldId id="275"/>
             <p14:sldId id="276"/>
@@ -147,6 +150,7 @@
             <p14:sldId id="270"/>
             <p14:sldId id="271"/>
             <p14:sldId id="267"/>
+            <p14:sldId id="283"/>
             <p14:sldId id="268"/>
             <p14:sldId id="269"/>
           </p14:sldIdLst>
@@ -388,6 +392,21 @@
               <a:defRPr sz="1400"/>
             </a:pPr>
             <a:fld id="{B3FF8B3B-292B-41AA-A63F-EDD7410CACB4}" type="slidenum">
+              <a:rPr/>
+              <a:pPr marL="0" marR="0" lvl="0" indent="0" algn="r" rtl="0" hangingPunct="0">
+                <a:lnSpc>
+                  <a:spcPct val="100000"/>
+                </a:lnSpc>
+                <a:spcBef>
+                  <a:spcPts val="0"/>
+                </a:spcBef>
+                <a:spcAft>
+                  <a:spcPts val="0"/>
+                </a:spcAft>
+                <a:buNone/>
+                <a:tabLst/>
+                <a:defRPr sz="1400"/>
+              </a:pPr>
               <a:t>‹Nº›</a:t>
             </a:fld>
             <a:endParaRPr lang="es-ES" sz="1400" b="0" i="0" u="none" strike="noStrike" kern="1200" cap="none">
@@ -655,6 +674,8 @@
           <a:p>
             <a:pPr lvl="0"/>
             <a:fld id="{493388B2-9F4D-44EA-ABD0-01590F5678BD}" type="slidenum">
+              <a:rPr/>
+              <a:pPr lvl="0"/>
               <a:t>‹Nº›</a:t>
             </a:fld>
             <a:endParaRPr lang="es-ES"/>
@@ -976,7 +997,8 @@
             <a:pPr lvl="0"/>
             <a:fld id="{493388B2-9F4D-44EA-ABD0-01590F5678BD}" type="slidenum">
               <a:rPr lang="es-ES" smtClean="0"/>
-              <a:t>11</a:t>
+              <a:pPr lvl="0"/>
+              <a:t>12</a:t>
             </a:fld>
             <a:endParaRPr lang="es-ES"/>
           </a:p>
@@ -1082,9 +1104,7 @@
         </p:style>
         <p:txBody>
           <a:bodyPr lIns="100772" tIns="50387" rIns="100772" bIns="50387" anchor="ctr"/>
-          <a:lstStyle>
-            <a:extLst/>
-          </a:lstStyle>
+          <a:lstStyle/>
           <a:p>
             <a:pPr algn="ctr" eaLnBrk="1" latinLnBrk="0" hangingPunct="1"/>
             <a:endParaRPr kumimoji="0" lang="en-US"/>
@@ -1123,9 +1143,7 @@
         </p:spPr>
         <p:txBody>
           <a:bodyPr vert="horz" wrap="square" lIns="100772" tIns="50387" rIns="100772" bIns="50387" anchor="t" compatLnSpc="1"/>
-          <a:lstStyle>
-            <a:extLst/>
-          </a:lstStyle>
+          <a:lstStyle/>
           <a:p>
             <a:endParaRPr kumimoji="0" lang="en-US"/>
           </a:p>
@@ -1155,7 +1173,6 @@
             <a:lvl1pPr algn="r">
               <a:defRPr sz="4600" b="1"/>
             </a:lvl1pPr>
-            <a:extLst/>
           </a:lstStyle>
           <a:p>
             <a:r>
@@ -1218,7 +1235,6 @@
             <a:lvl9pPr marL="4030936" indent="0" algn="ctr">
               <a:buNone/>
             </a:lvl9pPr>
-            <a:extLst/>
           </a:lstStyle>
           <a:p>
             <a:r>
@@ -1255,7 +1271,6 @@
                 </a:solidFill>
               </a:defRPr>
             </a:lvl1pPr>
-            <a:extLst/>
           </a:lstStyle>
           <a:p>
             <a:pPr lvl="0"/>
@@ -1289,7 +1304,6 @@
                 </a:solidFill>
               </a:defRPr>
             </a:lvl1pPr>
-            <a:extLst/>
           </a:lstStyle>
           <a:p>
             <a:pPr lvl="0"/>
@@ -1323,12 +1337,12 @@
                 </a:solidFill>
               </a:defRPr>
             </a:lvl1pPr>
-            <a:extLst/>
           </a:lstStyle>
           <a:p>
             <a:pPr lvl="0"/>
             <a:fld id="{4741D20A-E9A9-44FD-AC66-73E575DD0E82}" type="slidenum">
               <a:rPr lang="es-ES" smtClean="0"/>
+              <a:pPr lvl="0"/>
               <a:t>‹Nº›</a:t>
             </a:fld>
             <a:endParaRPr lang="es-ES"/>
@@ -1373,9 +1387,7 @@
         <p:spPr/>
         <p:txBody>
           <a:bodyPr/>
-          <a:lstStyle>
-            <a:extLst/>
-          </a:lstStyle>
+          <a:lstStyle/>
           <a:p>
             <a:r>
               <a:rPr kumimoji="0" lang="es-ES" smtClean="0"/>
@@ -1398,9 +1410,7 @@
         <p:spPr/>
         <p:txBody>
           <a:bodyPr vert="eaVert"/>
-          <a:lstStyle>
-            <a:extLst/>
-          </a:lstStyle>
+          <a:lstStyle/>
           <a:p>
             <a:pPr lvl="0" eaLnBrk="1" latinLnBrk="0" hangingPunct="1"/>
             <a:r>
@@ -1452,9 +1462,7 @@
         <p:spPr/>
         <p:txBody>
           <a:bodyPr/>
-          <a:lstStyle>
-            <a:extLst/>
-          </a:lstStyle>
+          <a:lstStyle/>
           <a:p>
             <a:pPr lvl="0"/>
             <a:endParaRPr lang="es-ES"/>
@@ -1474,9 +1482,7 @@
         <p:spPr/>
         <p:txBody>
           <a:bodyPr/>
-          <a:lstStyle>
-            <a:extLst/>
-          </a:lstStyle>
+          <a:lstStyle/>
           <a:p>
             <a:pPr lvl="0"/>
             <a:endParaRPr lang="es-ES"/>
@@ -1496,13 +1502,12 @@
         <p:spPr/>
         <p:txBody>
           <a:bodyPr/>
-          <a:lstStyle>
-            <a:extLst/>
-          </a:lstStyle>
+          <a:lstStyle/>
           <a:p>
             <a:pPr lvl="0"/>
             <a:fld id="{2CFF6AB7-EED5-4953-8567-D1686E2AC9FF}" type="slidenum">
               <a:rPr lang="es-ES" smtClean="0"/>
+              <a:pPr lvl="0"/>
               <a:t>‹Nº›</a:t>
             </a:fld>
             <a:endParaRPr lang="es-ES"/>
@@ -1552,9 +1557,7 @@
         </p:spPr>
         <p:txBody>
           <a:bodyPr vert="eaVert" anchor="t"/>
-          <a:lstStyle>
-            <a:extLst/>
-          </a:lstStyle>
+          <a:lstStyle/>
           <a:p>
             <a:r>
               <a:rPr kumimoji="0" lang="es-ES" smtClean="0"/>
@@ -1582,9 +1585,7 @@
         </p:spPr>
         <p:txBody>
           <a:bodyPr vert="eaVert"/>
-          <a:lstStyle>
-            <a:extLst/>
-          </a:lstStyle>
+          <a:lstStyle/>
           <a:p>
             <a:pPr lvl="0" eaLnBrk="1" latinLnBrk="0" hangingPunct="1"/>
             <a:r>
@@ -1641,9 +1642,7 @@
         </p:spPr>
         <p:txBody>
           <a:bodyPr/>
-          <a:lstStyle>
-            <a:extLst/>
-          </a:lstStyle>
+          <a:lstStyle/>
           <a:p>
             <a:pPr lvl="0"/>
             <a:endParaRPr lang="es-ES"/>
@@ -1668,9 +1667,7 @@
         </p:spPr>
         <p:txBody>
           <a:bodyPr/>
-          <a:lstStyle>
-            <a:extLst/>
-          </a:lstStyle>
+          <a:lstStyle/>
           <a:p>
             <a:pPr lvl="0"/>
             <a:endParaRPr lang="es-ES"/>
@@ -1703,12 +1700,12 @@
                 </a:solidFill>
               </a:defRPr>
             </a:lvl1pPr>
-            <a:extLst/>
           </a:lstStyle>
           <a:p>
             <a:pPr lvl="0"/>
             <a:fld id="{05E2459D-CB83-4793-93C1-E2B847625DF1}" type="slidenum">
               <a:rPr lang="es-ES" smtClean="0"/>
+              <a:pPr lvl="0"/>
               <a:t>‹Nº›</a:t>
             </a:fld>
             <a:endParaRPr lang="es-ES"/>
@@ -1810,9 +1807,7 @@
         </p:style>
         <p:txBody>
           <a:bodyPr lIns="100794" tIns="50397" rIns="100794" bIns="50397" anchor="ctr"/>
-          <a:lstStyle>
-            <a:extLst/>
-          </a:lstStyle>
+          <a:lstStyle/>
           <a:p>
             <a:pPr algn="ctr" eaLnBrk="1" latinLnBrk="0" hangingPunct="1"/>
             <a:endParaRPr kumimoji="0" lang="en-US"/>
@@ -1851,9 +1846,7 @@
         </p:spPr>
         <p:txBody>
           <a:bodyPr vert="horz" wrap="square" lIns="100794" tIns="50397" rIns="100794" bIns="50397" anchor="t" compatLnSpc="1"/>
-          <a:lstStyle>
-            <a:extLst/>
-          </a:lstStyle>
+          <a:lstStyle/>
           <a:p>
             <a:endParaRPr kumimoji="0" lang="en-US"/>
           </a:p>
@@ -1883,7 +1876,6 @@
             <a:lvl1pPr algn="r">
               <a:defRPr sz="4600" b="1"/>
             </a:lvl1pPr>
-            <a:extLst/>
           </a:lstStyle>
           <a:p>
             <a:r>
@@ -1946,7 +1938,6 @@
             <a:lvl9pPr marL="4031772" indent="0" algn="ctr">
               <a:buNone/>
             </a:lvl9pPr>
-            <a:extLst/>
           </a:lstStyle>
           <a:p>
             <a:r>
@@ -1983,7 +1974,6 @@
                 </a:solidFill>
               </a:defRPr>
             </a:lvl1pPr>
-            <a:extLst/>
           </a:lstStyle>
           <a:p>
             <a:pPr lvl="0"/>
@@ -2017,7 +2007,6 @@
                 </a:solidFill>
               </a:defRPr>
             </a:lvl1pPr>
-            <a:extLst/>
           </a:lstStyle>
           <a:p>
             <a:pPr lvl="0"/>
@@ -2051,12 +2040,12 @@
                 </a:solidFill>
               </a:defRPr>
             </a:lvl1pPr>
-            <a:extLst/>
           </a:lstStyle>
           <a:p>
             <a:pPr lvl="0"/>
             <a:fld id="{4741D20A-E9A9-44FD-AC66-73E575DD0E82}" type="slidenum">
               <a:rPr lang="es-ES" smtClean="0"/>
+              <a:pPr lvl="0"/>
               <a:t>‹Nº›</a:t>
             </a:fld>
             <a:endParaRPr lang="es-ES"/>
@@ -2101,9 +2090,7 @@
         <p:spPr/>
         <p:txBody>
           <a:bodyPr/>
-          <a:lstStyle>
-            <a:extLst/>
-          </a:lstStyle>
+          <a:lstStyle/>
           <a:p>
             <a:r>
               <a:rPr kumimoji="0" lang="es-ES" smtClean="0"/>
@@ -2126,9 +2113,7 @@
         <p:spPr/>
         <p:txBody>
           <a:bodyPr/>
-          <a:lstStyle>
-            <a:extLst/>
-          </a:lstStyle>
+          <a:lstStyle/>
           <a:p>
             <a:pPr lvl="0" eaLnBrk="1" latinLnBrk="0" hangingPunct="1"/>
             <a:r>
@@ -2180,9 +2165,7 @@
         <p:spPr/>
         <p:txBody>
           <a:bodyPr/>
-          <a:lstStyle>
-            <a:extLst/>
-          </a:lstStyle>
+          <a:lstStyle/>
           <a:p>
             <a:pPr lvl="0"/>
             <a:endParaRPr lang="es-ES"/>
@@ -2202,9 +2185,7 @@
         <p:spPr/>
         <p:txBody>
           <a:bodyPr/>
-          <a:lstStyle>
-            <a:extLst/>
-          </a:lstStyle>
+          <a:lstStyle/>
           <a:p>
             <a:pPr lvl="0"/>
             <a:endParaRPr lang="es-ES"/>
@@ -2224,13 +2205,12 @@
         <p:spPr/>
         <p:txBody>
           <a:bodyPr/>
-          <a:lstStyle>
-            <a:extLst/>
-          </a:lstStyle>
+          <a:lstStyle/>
           <a:p>
             <a:pPr lvl="0"/>
             <a:fld id="{3F86B423-3EFE-4AD5-885F-C7B43708C997}" type="slidenum">
               <a:rPr lang="es-ES" smtClean="0"/>
+              <a:pPr lvl="0"/>
               <a:t>‹Nº›</a:t>
             </a:fld>
             <a:endParaRPr lang="es-ES"/>
@@ -2285,7 +2265,6 @@
               <a:buNone/>
               <a:defRPr sz="4600" b="1" cap="all"/>
             </a:lvl1pPr>
-            <a:extLst/>
           </a:lstStyle>
           <a:p>
             <a:r>
@@ -2364,7 +2343,6 @@
                 </a:solidFill>
               </a:defRPr>
             </a:lvl5pPr>
-            <a:extLst/>
           </a:lstStyle>
           <a:p>
             <a:pPr lvl="0" eaLnBrk="1" latinLnBrk="0" hangingPunct="1"/>
@@ -2401,7 +2379,6 @@
                 </a:solidFill>
               </a:defRPr>
             </a:lvl1pPr>
-            <a:extLst/>
           </a:lstStyle>
           <a:p>
             <a:pPr lvl="0"/>
@@ -2435,7 +2412,6 @@
                 </a:solidFill>
               </a:defRPr>
             </a:lvl1pPr>
-            <a:extLst/>
           </a:lstStyle>
           <a:p>
             <a:pPr lvl="0"/>
@@ -2461,13 +2437,12 @@
         </p:spPr>
         <p:txBody>
           <a:bodyPr/>
-          <a:lstStyle>
-            <a:extLst/>
-          </a:lstStyle>
+          <a:lstStyle/>
           <a:p>
             <a:pPr lvl="0"/>
             <a:fld id="{BD2622F0-1394-4939-9CAD-B17534AA2BF7}" type="slidenum">
               <a:rPr lang="es-ES" smtClean="0"/>
+              <a:pPr lvl="0"/>
               <a:t>‹Nº›</a:t>
             </a:fld>
             <a:endParaRPr lang="es-ES"/>
@@ -2517,9 +2492,7 @@
         </p:spPr>
         <p:txBody>
           <a:bodyPr/>
-          <a:lstStyle>
-            <a:extLst/>
-          </a:lstStyle>
+          <a:lstStyle/>
           <a:p>
             <a:r>
               <a:rPr kumimoji="0" lang="es-ES" smtClean="0"/>
@@ -2563,7 +2536,6 @@
             <a:lvl5pPr>
               <a:defRPr sz="2000"/>
             </a:lvl5pPr>
-            <a:extLst/>
           </a:lstStyle>
           <a:p>
             <a:pPr lvl="0" eaLnBrk="1" latinLnBrk="0" hangingPunct="1"/>
@@ -2637,7 +2609,6 @@
             <a:lvl5pPr>
               <a:defRPr sz="2000"/>
             </a:lvl5pPr>
-            <a:extLst/>
           </a:lstStyle>
           <a:p>
             <a:pPr lvl="0" eaLnBrk="1" latinLnBrk="0" hangingPunct="1"/>
@@ -2690,9 +2661,7 @@
         <p:spPr/>
         <p:txBody>
           <a:bodyPr/>
-          <a:lstStyle>
-            <a:extLst/>
-          </a:lstStyle>
+          <a:lstStyle/>
           <a:p>
             <a:pPr lvl="0"/>
             <a:endParaRPr lang="es-ES"/>
@@ -2712,9 +2681,7 @@
         <p:spPr/>
         <p:txBody>
           <a:bodyPr/>
-          <a:lstStyle>
-            <a:extLst/>
-          </a:lstStyle>
+          <a:lstStyle/>
           <a:p>
             <a:pPr lvl="0"/>
             <a:endParaRPr lang="es-ES"/>
@@ -2734,13 +2701,12 @@
         <p:spPr/>
         <p:txBody>
           <a:bodyPr/>
-          <a:lstStyle>
-            <a:extLst/>
-          </a:lstStyle>
+          <a:lstStyle/>
           <a:p>
             <a:pPr lvl="0"/>
             <a:fld id="{F95A2454-1DC4-4CFC-93F7-72EBB66EF608}" type="slidenum">
               <a:rPr lang="es-ES" smtClean="0"/>
+              <a:pPr lvl="0"/>
               <a:t>‹Nº›</a:t>
             </a:fld>
             <a:endParaRPr lang="es-ES"/>
@@ -2794,7 +2760,6 @@
             <a:lvl1pPr>
               <a:defRPr/>
             </a:lvl1pPr>
-            <a:extLst/>
           </a:lstStyle>
           <a:p>
             <a:r>
@@ -2871,7 +2836,6 @@
               <a:buNone/>
               <a:defRPr sz="1800" b="1"/>
             </a:lvl5pPr>
-            <a:extLst/>
           </a:lstStyle>
           <a:p>
             <a:pPr lvl="0" eaLnBrk="1" latinLnBrk="0" hangingPunct="1"/>
@@ -2948,7 +2912,6 @@
               <a:buNone/>
               <a:defRPr sz="1800" b="1"/>
             </a:lvl5pPr>
-            <a:extLst/>
           </a:lstStyle>
           <a:p>
             <a:pPr lvl="0" eaLnBrk="1" latinLnBrk="0" hangingPunct="1"/>
@@ -2993,7 +2956,6 @@
             <a:lvl5pPr>
               <a:defRPr sz="1800"/>
             </a:lvl5pPr>
-            <a:extLst/>
           </a:lstStyle>
           <a:p>
             <a:pPr lvl="0" eaLnBrk="1" latinLnBrk="0" hangingPunct="1"/>
@@ -3067,7 +3029,6 @@
             <a:lvl5pPr>
               <a:defRPr sz="1800"/>
             </a:lvl5pPr>
-            <a:extLst/>
           </a:lstStyle>
           <a:p>
             <a:pPr lvl="0" eaLnBrk="1" latinLnBrk="0" hangingPunct="1"/>
@@ -3120,9 +3081,7 @@
         <p:spPr/>
         <p:txBody>
           <a:bodyPr/>
-          <a:lstStyle>
-            <a:extLst/>
-          </a:lstStyle>
+          <a:lstStyle/>
           <a:p>
             <a:pPr lvl="0"/>
             <a:endParaRPr lang="es-ES"/>
@@ -3142,9 +3101,7 @@
         <p:spPr/>
         <p:txBody>
           <a:bodyPr/>
-          <a:lstStyle>
-            <a:extLst/>
-          </a:lstStyle>
+          <a:lstStyle/>
           <a:p>
             <a:pPr lvl="0"/>
             <a:endParaRPr lang="es-ES"/>
@@ -3164,13 +3121,12 @@
         <p:spPr/>
         <p:txBody>
           <a:bodyPr/>
-          <a:lstStyle>
-            <a:extLst/>
-          </a:lstStyle>
+          <a:lstStyle/>
           <a:p>
             <a:pPr lvl="0"/>
             <a:fld id="{081638E5-B0EE-446F-9BF9-2B76AF8ABB12}" type="slidenum">
               <a:rPr lang="es-ES" smtClean="0"/>
+              <a:pPr lvl="0"/>
               <a:t>‹Nº›</a:t>
             </a:fld>
             <a:endParaRPr lang="es-ES"/>
@@ -3220,9 +3176,7 @@
         </p:spPr>
         <p:txBody>
           <a:bodyPr/>
-          <a:lstStyle>
-            <a:extLst/>
-          </a:lstStyle>
+          <a:lstStyle/>
           <a:p>
             <a:r>
               <a:rPr kumimoji="0" lang="es-ES" smtClean="0"/>
@@ -3245,9 +3199,7 @@
         <p:spPr/>
         <p:txBody>
           <a:bodyPr/>
-          <a:lstStyle>
-            <a:extLst/>
-          </a:lstStyle>
+          <a:lstStyle/>
           <a:p>
             <a:pPr lvl="0"/>
             <a:endParaRPr lang="es-ES"/>
@@ -3267,9 +3219,7 @@
         <p:spPr/>
         <p:txBody>
           <a:bodyPr/>
-          <a:lstStyle>
-            <a:extLst/>
-          </a:lstStyle>
+          <a:lstStyle/>
           <a:p>
             <a:pPr lvl="0"/>
             <a:endParaRPr lang="es-ES"/>
@@ -3289,13 +3239,12 @@
         <p:spPr/>
         <p:txBody>
           <a:bodyPr/>
-          <a:lstStyle>
-            <a:extLst/>
-          </a:lstStyle>
+          <a:lstStyle/>
           <a:p>
             <a:pPr lvl="0"/>
             <a:fld id="{E8BC27AF-3AA0-49BE-8F7D-D1CB84819D73}" type="slidenum">
               <a:rPr lang="es-ES" smtClean="0"/>
+              <a:pPr lvl="0"/>
               <a:t>‹Nº›</a:t>
             </a:fld>
             <a:endParaRPr lang="es-ES"/>
@@ -3348,7 +3297,6 @@
                 </a:solidFill>
               </a:defRPr>
             </a:lvl1pPr>
-            <a:extLst/>
           </a:lstStyle>
           <a:p>
             <a:pPr lvl="0"/>
@@ -3377,7 +3325,6 @@
                 </a:solidFill>
               </a:defRPr>
             </a:lvl1pPr>
-            <a:extLst/>
           </a:lstStyle>
           <a:p>
             <a:pPr lvl="0"/>
@@ -3398,13 +3345,12 @@
         <p:spPr/>
         <p:txBody>
           <a:bodyPr/>
-          <a:lstStyle>
-            <a:extLst/>
-          </a:lstStyle>
+          <a:lstStyle/>
           <a:p>
             <a:pPr lvl="0"/>
             <a:fld id="{F8C7997D-1146-476D-BBA8-C5967FBA31EC}" type="slidenum">
               <a:rPr lang="es-ES" smtClean="0"/>
+              <a:pPr lvl="0"/>
               <a:t>‹Nº›</a:t>
             </a:fld>
             <a:endParaRPr lang="es-ES"/>
@@ -3460,7 +3406,6 @@
               <a:buNone/>
               <a:defRPr lang="en-US" sz="2600" baseline="0" smtClean="0"/>
             </a:lvl1pPr>
-            <a:extLst/>
           </a:lstStyle>
           <a:p>
             <a:r>
@@ -3518,7 +3463,6 @@
               <a:buNone/>
               <a:defRPr sz="1000"/>
             </a:lvl5pPr>
-            <a:extLst/>
           </a:lstStyle>
           <a:p>
             <a:pPr lvl="0" eaLnBrk="1" latinLnBrk="0" hangingPunct="1"/>
@@ -3563,7 +3507,6 @@
             <a:lvl5pPr>
               <a:defRPr sz="2200"/>
             </a:lvl5pPr>
-            <a:extLst/>
           </a:lstStyle>
           <a:p>
             <a:pPr lvl="0" eaLnBrk="1" latinLnBrk="0" hangingPunct="1"/>
@@ -3616,9 +3559,7 @@
         <p:spPr/>
         <p:txBody>
           <a:bodyPr/>
-          <a:lstStyle>
-            <a:extLst/>
-          </a:lstStyle>
+          <a:lstStyle/>
           <a:p>
             <a:pPr lvl="0"/>
             <a:endParaRPr lang="es-ES"/>
@@ -3638,9 +3579,7 @@
         <p:spPr/>
         <p:txBody>
           <a:bodyPr/>
-          <a:lstStyle>
-            <a:extLst/>
-          </a:lstStyle>
+          <a:lstStyle/>
           <a:p>
             <a:pPr lvl="0"/>
             <a:endParaRPr lang="es-ES"/>
@@ -3660,13 +3599,12 @@
         <p:spPr/>
         <p:txBody>
           <a:bodyPr/>
-          <a:lstStyle>
-            <a:extLst/>
-          </a:lstStyle>
+          <a:lstStyle/>
           <a:p>
             <a:pPr lvl="0"/>
             <a:fld id="{366F68CA-B145-4980-BB77-E46B1FD0FA97}" type="slidenum">
               <a:rPr lang="es-ES" smtClean="0"/>
+              <a:pPr lvl="0"/>
               <a:t>‹Nº›</a:t>
             </a:fld>
             <a:endParaRPr lang="es-ES"/>
@@ -3711,9 +3649,7 @@
         <p:spPr/>
         <p:txBody>
           <a:bodyPr/>
-          <a:lstStyle>
-            <a:extLst/>
-          </a:lstStyle>
+          <a:lstStyle/>
           <a:p>
             <a:r>
               <a:rPr kumimoji="0" lang="es-ES" smtClean="0"/>
@@ -3736,9 +3672,7 @@
         <p:spPr/>
         <p:txBody>
           <a:bodyPr/>
-          <a:lstStyle>
-            <a:extLst/>
-          </a:lstStyle>
+          <a:lstStyle/>
           <a:p>
             <a:pPr lvl="0" eaLnBrk="1" latinLnBrk="0" hangingPunct="1"/>
             <a:r>
@@ -3790,9 +3724,7 @@
         <p:spPr/>
         <p:txBody>
           <a:bodyPr/>
-          <a:lstStyle>
-            <a:extLst/>
-          </a:lstStyle>
+          <a:lstStyle/>
           <a:p>
             <a:pPr lvl="0"/>
             <a:endParaRPr lang="es-ES"/>
@@ -3812,9 +3744,7 @@
         <p:spPr/>
         <p:txBody>
           <a:bodyPr/>
-          <a:lstStyle>
-            <a:extLst/>
-          </a:lstStyle>
+          <a:lstStyle/>
           <a:p>
             <a:pPr lvl="0"/>
             <a:endParaRPr lang="es-ES"/>
@@ -3834,13 +3764,12 @@
         <p:spPr/>
         <p:txBody>
           <a:bodyPr/>
-          <a:lstStyle>
-            <a:extLst/>
-          </a:lstStyle>
+          <a:lstStyle/>
           <a:p>
             <a:pPr lvl="0"/>
             <a:fld id="{3F86B423-3EFE-4AD5-885F-C7B43708C997}" type="slidenum">
               <a:rPr lang="es-ES" smtClean="0"/>
+              <a:pPr lvl="0"/>
               <a:t>‹Nº›</a:t>
             </a:fld>
             <a:endParaRPr lang="es-ES"/>
@@ -3926,9 +3855,7 @@
         </p:style>
         <p:txBody>
           <a:bodyPr lIns="100794" tIns="50397" rIns="100794" bIns="50397" rtlCol="0" anchor="ctr"/>
-          <a:lstStyle>
-            <a:extLst/>
-          </a:lstStyle>
+          <a:lstStyle/>
           <a:p>
             <a:pPr algn="ctr" eaLnBrk="1" latinLnBrk="0" hangingPunct="1"/>
             <a:endParaRPr kumimoji="0" lang="en-US"/>
@@ -3982,9 +3909,7 @@
         </p:style>
         <p:txBody>
           <a:bodyPr lIns="100794" tIns="50397" rIns="100794" bIns="50397" rtlCol="0" anchor="ctr"/>
-          <a:lstStyle>
-            <a:extLst/>
-          </a:lstStyle>
+          <a:lstStyle/>
           <a:p>
             <a:pPr algn="ctr" eaLnBrk="1" latinLnBrk="0" hangingPunct="1"/>
             <a:endParaRPr kumimoji="0" lang="en-US"/>
@@ -4054,7 +3979,6 @@
                 <a:effectLst/>
               </a:defRPr>
             </a:lvl1pPr>
-            <a:extLst/>
           </a:lstStyle>
           <a:p>
             <a:r>
@@ -4113,7 +4037,6 @@
             <a:lvl5pPr>
               <a:defRPr sz="1000"/>
             </a:lvl5pPr>
-            <a:extLst/>
           </a:lstStyle>
           <a:p>
             <a:pPr marL="0" marR="0" lvl="0" indent="0" algn="l" defTabSz="0" rtl="0" eaLnBrk="1" fontAlgn="auto" latinLnBrk="0" hangingPunct="1">
@@ -4155,9 +4078,7 @@
         <p:spPr/>
         <p:txBody>
           <a:bodyPr/>
-          <a:lstStyle>
-            <a:extLst/>
-          </a:lstStyle>
+          <a:lstStyle/>
           <a:p>
             <a:pPr lvl="0"/>
             <a:endParaRPr lang="es-ES"/>
@@ -4177,9 +4098,7 @@
         <p:spPr/>
         <p:txBody>
           <a:bodyPr/>
-          <a:lstStyle>
-            <a:extLst/>
-          </a:lstStyle>
+          <a:lstStyle/>
           <a:p>
             <a:pPr lvl="0"/>
             <a:endParaRPr lang="es-ES"/>
@@ -4199,13 +4118,12 @@
         <p:spPr/>
         <p:txBody>
           <a:bodyPr/>
-          <a:lstStyle>
-            <a:extLst/>
-          </a:lstStyle>
+          <a:lstStyle/>
           <a:p>
             <a:pPr lvl="0"/>
             <a:fld id="{404AEAA9-74D7-438A-AD81-B66E144DFDB0}" type="slidenum">
               <a:rPr lang="es-ES" smtClean="0"/>
+              <a:pPr lvl="0"/>
               <a:t>‹Nº›</a:t>
             </a:fld>
             <a:endParaRPr lang="es-ES"/>
@@ -4262,7 +4180,6 @@
               <a:buNone/>
               <a:defRPr sz="3500"/>
             </a:lvl1pPr>
-            <a:extLst/>
           </a:lstStyle>
           <a:p>
             <a:r>
@@ -4311,9 +4228,7 @@
         <p:spPr/>
         <p:txBody>
           <a:bodyPr/>
-          <a:lstStyle>
-            <a:extLst/>
-          </a:lstStyle>
+          <a:lstStyle/>
           <a:p>
             <a:r>
               <a:rPr kumimoji="0" lang="es-ES" smtClean="0"/>
@@ -4336,9 +4251,7 @@
         <p:spPr/>
         <p:txBody>
           <a:bodyPr vert="eaVert"/>
-          <a:lstStyle>
-            <a:extLst/>
-          </a:lstStyle>
+          <a:lstStyle/>
           <a:p>
             <a:pPr lvl="0" eaLnBrk="1" latinLnBrk="0" hangingPunct="1"/>
             <a:r>
@@ -4390,9 +4303,7 @@
         <p:spPr/>
         <p:txBody>
           <a:bodyPr/>
-          <a:lstStyle>
-            <a:extLst/>
-          </a:lstStyle>
+          <a:lstStyle/>
           <a:p>
             <a:pPr lvl="0"/>
             <a:endParaRPr lang="es-ES"/>
@@ -4412,9 +4323,7 @@
         <p:spPr/>
         <p:txBody>
           <a:bodyPr/>
-          <a:lstStyle>
-            <a:extLst/>
-          </a:lstStyle>
+          <a:lstStyle/>
           <a:p>
             <a:pPr lvl="0"/>
             <a:endParaRPr lang="es-ES"/>
@@ -4434,13 +4343,12 @@
         <p:spPr/>
         <p:txBody>
           <a:bodyPr/>
-          <a:lstStyle>
-            <a:extLst/>
-          </a:lstStyle>
+          <a:lstStyle/>
           <a:p>
             <a:pPr lvl="0"/>
             <a:fld id="{2CFF6AB7-EED5-4953-8567-D1686E2AC9FF}" type="slidenum">
               <a:rPr lang="es-ES" smtClean="0"/>
+              <a:pPr lvl="0"/>
               <a:t>‹Nº›</a:t>
             </a:fld>
             <a:endParaRPr lang="es-ES"/>
@@ -4490,9 +4398,7 @@
         </p:spPr>
         <p:txBody>
           <a:bodyPr vert="eaVert" anchor="t"/>
-          <a:lstStyle>
-            <a:extLst/>
-          </a:lstStyle>
+          <a:lstStyle/>
           <a:p>
             <a:r>
               <a:rPr kumimoji="0" lang="es-ES" smtClean="0"/>
@@ -4520,9 +4426,7 @@
         </p:spPr>
         <p:txBody>
           <a:bodyPr vert="eaVert"/>
-          <a:lstStyle>
-            <a:extLst/>
-          </a:lstStyle>
+          <a:lstStyle/>
           <a:p>
             <a:pPr lvl="0" eaLnBrk="1" latinLnBrk="0" hangingPunct="1"/>
             <a:r>
@@ -4579,9 +4483,7 @@
         </p:spPr>
         <p:txBody>
           <a:bodyPr/>
-          <a:lstStyle>
-            <a:extLst/>
-          </a:lstStyle>
+          <a:lstStyle/>
           <a:p>
             <a:pPr lvl="0"/>
             <a:endParaRPr lang="es-ES"/>
@@ -4606,9 +4508,7 @@
         </p:spPr>
         <p:txBody>
           <a:bodyPr/>
-          <a:lstStyle>
-            <a:extLst/>
-          </a:lstStyle>
+          <a:lstStyle/>
           <a:p>
             <a:pPr lvl="0"/>
             <a:endParaRPr lang="es-ES"/>
@@ -4641,12 +4541,12 @@
                 </a:solidFill>
               </a:defRPr>
             </a:lvl1pPr>
-            <a:extLst/>
           </a:lstStyle>
           <a:p>
             <a:pPr lvl="0"/>
             <a:fld id="{05E2459D-CB83-4793-93C1-E2B847625DF1}" type="slidenum">
               <a:rPr lang="es-ES" smtClean="0"/>
+              <a:pPr lvl="0"/>
               <a:t>‹Nº›</a:t>
             </a:fld>
             <a:endParaRPr lang="es-ES"/>
@@ -4701,7 +4601,6 @@
               <a:buNone/>
               <a:defRPr sz="4600" b="1" cap="all"/>
             </a:lvl1pPr>
-            <a:extLst/>
           </a:lstStyle>
           <a:p>
             <a:r>
@@ -4780,7 +4679,6 @@
                 </a:solidFill>
               </a:defRPr>
             </a:lvl5pPr>
-            <a:extLst/>
           </a:lstStyle>
           <a:p>
             <a:pPr lvl="0" eaLnBrk="1" latinLnBrk="0" hangingPunct="1"/>
@@ -4817,7 +4715,6 @@
                 </a:solidFill>
               </a:defRPr>
             </a:lvl1pPr>
-            <a:extLst/>
           </a:lstStyle>
           <a:p>
             <a:pPr lvl="0"/>
@@ -4851,7 +4748,6 @@
                 </a:solidFill>
               </a:defRPr>
             </a:lvl1pPr>
-            <a:extLst/>
           </a:lstStyle>
           <a:p>
             <a:pPr lvl="0"/>
@@ -4877,13 +4773,12 @@
         </p:spPr>
         <p:txBody>
           <a:bodyPr/>
-          <a:lstStyle>
-            <a:extLst/>
-          </a:lstStyle>
+          <a:lstStyle/>
           <a:p>
             <a:pPr lvl="0"/>
             <a:fld id="{BD2622F0-1394-4939-9CAD-B17534AA2BF7}" type="slidenum">
               <a:rPr lang="es-ES" smtClean="0"/>
+              <a:pPr lvl="0"/>
               <a:t>‹Nº›</a:t>
             </a:fld>
             <a:endParaRPr lang="es-ES"/>
@@ -4933,9 +4828,7 @@
         </p:spPr>
         <p:txBody>
           <a:bodyPr/>
-          <a:lstStyle>
-            <a:extLst/>
-          </a:lstStyle>
+          <a:lstStyle/>
           <a:p>
             <a:r>
               <a:rPr kumimoji="0" lang="es-ES" smtClean="0"/>
@@ -4979,7 +4872,6 @@
             <a:lvl5pPr>
               <a:defRPr sz="2000"/>
             </a:lvl5pPr>
-            <a:extLst/>
           </a:lstStyle>
           <a:p>
             <a:pPr lvl="0" eaLnBrk="1" latinLnBrk="0" hangingPunct="1"/>
@@ -5053,7 +4945,6 @@
             <a:lvl5pPr>
               <a:defRPr sz="2000"/>
             </a:lvl5pPr>
-            <a:extLst/>
           </a:lstStyle>
           <a:p>
             <a:pPr lvl="0" eaLnBrk="1" latinLnBrk="0" hangingPunct="1"/>
@@ -5106,9 +4997,7 @@
         <p:spPr/>
         <p:txBody>
           <a:bodyPr/>
-          <a:lstStyle>
-            <a:extLst/>
-          </a:lstStyle>
+          <a:lstStyle/>
           <a:p>
             <a:pPr lvl="0"/>
             <a:endParaRPr lang="es-ES"/>
@@ -5128,9 +5017,7 @@
         <p:spPr/>
         <p:txBody>
           <a:bodyPr/>
-          <a:lstStyle>
-            <a:extLst/>
-          </a:lstStyle>
+          <a:lstStyle/>
           <a:p>
             <a:pPr lvl="0"/>
             <a:endParaRPr lang="es-ES"/>
@@ -5150,13 +5037,12 @@
         <p:spPr/>
         <p:txBody>
           <a:bodyPr/>
-          <a:lstStyle>
-            <a:extLst/>
-          </a:lstStyle>
+          <a:lstStyle/>
           <a:p>
             <a:pPr lvl="0"/>
             <a:fld id="{F95A2454-1DC4-4CFC-93F7-72EBB66EF608}" type="slidenum">
               <a:rPr lang="es-ES" smtClean="0"/>
+              <a:pPr lvl="0"/>
               <a:t>‹Nº›</a:t>
             </a:fld>
             <a:endParaRPr lang="es-ES"/>
@@ -5210,7 +5096,6 @@
             <a:lvl1pPr>
               <a:defRPr/>
             </a:lvl1pPr>
-            <a:extLst/>
           </a:lstStyle>
           <a:p>
             <a:r>
@@ -5287,7 +5172,6 @@
               <a:buNone/>
               <a:defRPr sz="1800" b="1"/>
             </a:lvl5pPr>
-            <a:extLst/>
           </a:lstStyle>
           <a:p>
             <a:pPr lvl="0" eaLnBrk="1" latinLnBrk="0" hangingPunct="1"/>
@@ -5364,7 +5248,6 @@
               <a:buNone/>
               <a:defRPr sz="1800" b="1"/>
             </a:lvl5pPr>
-            <a:extLst/>
           </a:lstStyle>
           <a:p>
             <a:pPr lvl="0" eaLnBrk="1" latinLnBrk="0" hangingPunct="1"/>
@@ -5409,7 +5292,6 @@
             <a:lvl5pPr>
               <a:defRPr sz="1800"/>
             </a:lvl5pPr>
-            <a:extLst/>
           </a:lstStyle>
           <a:p>
             <a:pPr lvl="0" eaLnBrk="1" latinLnBrk="0" hangingPunct="1"/>
@@ -5483,7 +5365,6 @@
             <a:lvl5pPr>
               <a:defRPr sz="1800"/>
             </a:lvl5pPr>
-            <a:extLst/>
           </a:lstStyle>
           <a:p>
             <a:pPr lvl="0" eaLnBrk="1" latinLnBrk="0" hangingPunct="1"/>
@@ -5536,9 +5417,7 @@
         <p:spPr/>
         <p:txBody>
           <a:bodyPr/>
-          <a:lstStyle>
-            <a:extLst/>
-          </a:lstStyle>
+          <a:lstStyle/>
           <a:p>
             <a:pPr lvl="0"/>
             <a:endParaRPr lang="es-ES"/>
@@ -5558,9 +5437,7 @@
         <p:spPr/>
         <p:txBody>
           <a:bodyPr/>
-          <a:lstStyle>
-            <a:extLst/>
-          </a:lstStyle>
+          <a:lstStyle/>
           <a:p>
             <a:pPr lvl="0"/>
             <a:endParaRPr lang="es-ES"/>
@@ -5580,13 +5457,12 @@
         <p:spPr/>
         <p:txBody>
           <a:bodyPr/>
-          <a:lstStyle>
-            <a:extLst/>
-          </a:lstStyle>
+          <a:lstStyle/>
           <a:p>
             <a:pPr lvl="0"/>
             <a:fld id="{081638E5-B0EE-446F-9BF9-2B76AF8ABB12}" type="slidenum">
               <a:rPr lang="es-ES" smtClean="0"/>
+              <a:pPr lvl="0"/>
               <a:t>‹Nº›</a:t>
             </a:fld>
             <a:endParaRPr lang="es-ES"/>
@@ -5636,9 +5512,7 @@
         </p:spPr>
         <p:txBody>
           <a:bodyPr/>
-          <a:lstStyle>
-            <a:extLst/>
-          </a:lstStyle>
+          <a:lstStyle/>
           <a:p>
             <a:r>
               <a:rPr kumimoji="0" lang="es-ES" dirty="0" smtClean="0"/>
@@ -5661,9 +5535,7 @@
         <p:spPr/>
         <p:txBody>
           <a:bodyPr/>
-          <a:lstStyle>
-            <a:extLst/>
-          </a:lstStyle>
+          <a:lstStyle/>
           <a:p>
             <a:pPr lvl="0"/>
             <a:endParaRPr lang="es-ES"/>
@@ -5683,9 +5555,7 @@
         <p:spPr/>
         <p:txBody>
           <a:bodyPr/>
-          <a:lstStyle>
-            <a:extLst/>
-          </a:lstStyle>
+          <a:lstStyle/>
           <a:p>
             <a:pPr lvl="0"/>
             <a:endParaRPr lang="es-ES"/>
@@ -5705,13 +5575,12 @@
         <p:spPr/>
         <p:txBody>
           <a:bodyPr/>
-          <a:lstStyle>
-            <a:extLst/>
-          </a:lstStyle>
+          <a:lstStyle/>
           <a:p>
             <a:pPr lvl="0"/>
             <a:fld id="{E8BC27AF-3AA0-49BE-8F7D-D1CB84819D73}" type="slidenum">
               <a:rPr lang="es-ES" smtClean="0"/>
+              <a:pPr lvl="0"/>
               <a:t>‹Nº›</a:t>
             </a:fld>
             <a:endParaRPr lang="es-ES"/>
@@ -5771,7 +5640,6 @@
                 </a:solidFill>
               </a:defRPr>
             </a:lvl1pPr>
-            <a:extLst/>
           </a:lstStyle>
           <a:p>
             <a:pPr lvl="0"/>
@@ -5800,7 +5668,6 @@
                 </a:solidFill>
               </a:defRPr>
             </a:lvl1pPr>
-            <a:extLst/>
           </a:lstStyle>
           <a:p>
             <a:pPr lvl="0"/>
@@ -5821,13 +5688,12 @@
         <p:spPr/>
         <p:txBody>
           <a:bodyPr/>
-          <a:lstStyle>
-            <a:extLst/>
-          </a:lstStyle>
+          <a:lstStyle/>
           <a:p>
             <a:pPr lvl="0"/>
             <a:fld id="{F8C7997D-1146-476D-BBA8-C5967FBA31EC}" type="slidenum">
               <a:rPr lang="es-ES" smtClean="0"/>
+              <a:pPr lvl="0"/>
               <a:t>‹Nº›</a:t>
             </a:fld>
             <a:endParaRPr lang="es-ES"/>
@@ -5883,7 +5749,6 @@
               <a:buNone/>
               <a:defRPr lang="en-US" sz="2600" baseline="0" smtClean="0"/>
             </a:lvl1pPr>
-            <a:extLst/>
           </a:lstStyle>
           <a:p>
             <a:r>
@@ -5941,7 +5806,6 @@
               <a:buNone/>
               <a:defRPr sz="1000"/>
             </a:lvl5pPr>
-            <a:extLst/>
           </a:lstStyle>
           <a:p>
             <a:pPr lvl="0" eaLnBrk="1" latinLnBrk="0" hangingPunct="1"/>
@@ -5986,7 +5850,6 @@
             <a:lvl5pPr>
               <a:defRPr sz="2200"/>
             </a:lvl5pPr>
-            <a:extLst/>
           </a:lstStyle>
           <a:p>
             <a:pPr lvl="0" eaLnBrk="1" latinLnBrk="0" hangingPunct="1"/>
@@ -6039,9 +5902,7 @@
         <p:spPr/>
         <p:txBody>
           <a:bodyPr/>
-          <a:lstStyle>
-            <a:extLst/>
-          </a:lstStyle>
+          <a:lstStyle/>
           <a:p>
             <a:pPr lvl="0"/>
             <a:endParaRPr lang="es-ES"/>
@@ -6061,9 +5922,7 @@
         <p:spPr/>
         <p:txBody>
           <a:bodyPr/>
-          <a:lstStyle>
-            <a:extLst/>
-          </a:lstStyle>
+          <a:lstStyle/>
           <a:p>
             <a:pPr lvl="0"/>
             <a:endParaRPr lang="es-ES"/>
@@ -6083,13 +5942,12 @@
         <p:spPr/>
         <p:txBody>
           <a:bodyPr/>
-          <a:lstStyle>
-            <a:extLst/>
-          </a:lstStyle>
+          <a:lstStyle/>
           <a:p>
             <a:pPr lvl="0"/>
             <a:fld id="{366F68CA-B145-4980-BB77-E46B1FD0FA97}" type="slidenum">
               <a:rPr lang="es-ES" smtClean="0"/>
+              <a:pPr lvl="0"/>
               <a:t>‹Nº›</a:t>
             </a:fld>
             <a:endParaRPr lang="es-ES"/>
@@ -6168,9 +6026,7 @@
         </p:style>
         <p:txBody>
           <a:bodyPr lIns="100772" tIns="50387" rIns="100772" bIns="50387" rtlCol="0" anchor="ctr"/>
-          <a:lstStyle>
-            <a:extLst/>
-          </a:lstStyle>
+          <a:lstStyle/>
           <a:p>
             <a:pPr algn="ctr" eaLnBrk="1" latinLnBrk="0" hangingPunct="1"/>
             <a:endParaRPr kumimoji="0" lang="en-US"/>
@@ -6224,9 +6080,7 @@
         </p:style>
         <p:txBody>
           <a:bodyPr lIns="100772" tIns="50387" rIns="100772" bIns="50387" rtlCol="0" anchor="ctr"/>
-          <a:lstStyle>
-            <a:extLst/>
-          </a:lstStyle>
+          <a:lstStyle/>
           <a:p>
             <a:pPr algn="ctr" eaLnBrk="1" latinLnBrk="0" hangingPunct="1"/>
             <a:endParaRPr kumimoji="0" lang="en-US"/>
@@ -6296,7 +6150,6 @@
                 <a:effectLst/>
               </a:defRPr>
             </a:lvl1pPr>
-            <a:extLst/>
           </a:lstStyle>
           <a:p>
             <a:r>
@@ -6355,7 +6208,6 @@
             <a:lvl5pPr>
               <a:defRPr sz="1000"/>
             </a:lvl5pPr>
-            <a:extLst/>
           </a:lstStyle>
           <a:p>
             <a:pPr marL="0" marR="0" lvl="0" indent="0" algn="l" defTabSz="0" rtl="0" eaLnBrk="1" fontAlgn="auto" latinLnBrk="0" hangingPunct="1">
@@ -6397,9 +6249,7 @@
         <p:spPr/>
         <p:txBody>
           <a:bodyPr/>
-          <a:lstStyle>
-            <a:extLst/>
-          </a:lstStyle>
+          <a:lstStyle/>
           <a:p>
             <a:pPr lvl="0"/>
             <a:endParaRPr lang="es-ES"/>
@@ -6419,9 +6269,7 @@
         <p:spPr/>
         <p:txBody>
           <a:bodyPr/>
-          <a:lstStyle>
-            <a:extLst/>
-          </a:lstStyle>
+          <a:lstStyle/>
           <a:p>
             <a:pPr lvl="0"/>
             <a:endParaRPr lang="es-ES"/>
@@ -6441,13 +6289,12 @@
         <p:spPr/>
         <p:txBody>
           <a:bodyPr/>
-          <a:lstStyle>
-            <a:extLst/>
-          </a:lstStyle>
+          <a:lstStyle/>
           <a:p>
             <a:pPr lvl="0"/>
             <a:fld id="{404AEAA9-74D7-438A-AD81-B66E144DFDB0}" type="slidenum">
               <a:rPr lang="es-ES" smtClean="0"/>
+              <a:pPr lvl="0"/>
               <a:t>‹Nº›</a:t>
             </a:fld>
             <a:endParaRPr lang="es-ES"/>
@@ -6504,7 +6351,6 @@
               <a:buNone/>
               <a:defRPr sz="3500"/>
             </a:lvl1pPr>
-            <a:extLst/>
           </a:lstStyle>
           <a:p>
             <a:r>
@@ -6615,9 +6461,7 @@
         </p:style>
         <p:txBody>
           <a:bodyPr lIns="100772" tIns="50387" rIns="100772" bIns="50387" anchor="ctr"/>
-          <a:lstStyle>
-            <a:extLst/>
-          </a:lstStyle>
+          <a:lstStyle/>
           <a:p>
             <a:pPr algn="ctr" eaLnBrk="1" latinLnBrk="0" hangingPunct="1"/>
             <a:endParaRPr kumimoji="0" lang="en-US"/>
@@ -6647,9 +6491,7 @@
           <a:bodyPr vert="horz" lIns="50387" tIns="0" rIns="50387" bIns="0" anchor="b" anchorCtr="0">
             <a:normAutofit/>
           </a:bodyPr>
-          <a:lstStyle>
-            <a:extLst/>
-          </a:lstStyle>
+          <a:lstStyle/>
           <a:p>
             <a:r>
               <a:rPr kumimoji="0" lang="es-ES" smtClean="0"/>
@@ -6682,9 +6524,7 @@
           <a:bodyPr vert="horz" lIns="100772" tIns="50387" rIns="100772" bIns="50387">
             <a:normAutofit/>
           </a:bodyPr>
-          <a:lstStyle>
-            <a:extLst/>
-          </a:lstStyle>
+          <a:lstStyle/>
           <a:p>
             <a:pPr lvl="0" eaLnBrk="1" latinLnBrk="0" hangingPunct="1"/>
             <a:r>
@@ -6752,7 +6592,6 @@
                 </a:solidFill>
               </a:defRPr>
             </a:lvl1pPr>
-            <a:extLst/>
           </a:lstStyle>
           <a:p>
             <a:pPr lvl="0"/>
@@ -6789,7 +6628,6 @@
                 </a:solidFill>
               </a:defRPr>
             </a:lvl1pPr>
-            <a:extLst/>
           </a:lstStyle>
           <a:p>
             <a:pPr lvl="0"/>
@@ -6826,12 +6664,12 @@
                 </a:solidFill>
               </a:defRPr>
             </a:lvl1pPr>
-            <a:extLst/>
           </a:lstStyle>
           <a:p>
             <a:pPr lvl="0"/>
             <a:fld id="{3BFA4807-E3A1-49AD-881A-0BE721EA2565}" type="slidenum">
               <a:rPr lang="es-ES" smtClean="0"/>
+              <a:pPr lvl="0"/>
               <a:t>‹Nº›</a:t>
             </a:fld>
             <a:endParaRPr lang="es-ES"/>
@@ -6906,7 +6744,6 @@
           <a:cs typeface="+mj-cs"/>
         </a:defRPr>
       </a:lvl1pPr>
-      <a:extLst/>
     </p:titleStyle>
     <p:bodyStyle>
       <a:lvl1pPr marL="302320" indent="-302320" algn="l" rtl="0" eaLnBrk="1" latinLnBrk="0" hangingPunct="1">
@@ -7087,7 +6924,6 @@
           <a:cs typeface="+mn-cs"/>
         </a:defRPr>
       </a:lvl9pPr>
-      <a:extLst/>
     </p:bodyStyle>
     <p:otherStyle>
       <a:lvl1pPr marL="0" algn="l" rtl="0" eaLnBrk="1" latinLnBrk="0" hangingPunct="1">
@@ -7180,7 +7016,6 @@
           <a:cs typeface="+mn-cs"/>
         </a:defRPr>
       </a:lvl9pPr>
-      <a:extLst/>
     </p:otherStyle>
   </p:txStyles>
 </p:sldMaster>
@@ -7278,9 +7113,7 @@
         </p:style>
         <p:txBody>
           <a:bodyPr lIns="100794" tIns="50397" rIns="100794" bIns="50397" anchor="ctr"/>
-          <a:lstStyle>
-            <a:extLst/>
-          </a:lstStyle>
+          <a:lstStyle/>
           <a:p>
             <a:pPr algn="ctr" eaLnBrk="1" latinLnBrk="0" hangingPunct="1"/>
             <a:endParaRPr kumimoji="0" lang="en-US"/>
@@ -7310,9 +7143,7 @@
           <a:bodyPr vert="horz" lIns="50397" tIns="0" rIns="50397" bIns="0" anchor="b" anchorCtr="0">
             <a:normAutofit/>
           </a:bodyPr>
-          <a:lstStyle>
-            <a:extLst/>
-          </a:lstStyle>
+          <a:lstStyle/>
           <a:p>
             <a:r>
               <a:rPr kumimoji="0" lang="es-ES" smtClean="0"/>
@@ -7345,9 +7176,7 @@
           <a:bodyPr vert="horz" lIns="100794" tIns="50397" rIns="100794" bIns="50397">
             <a:normAutofit/>
           </a:bodyPr>
-          <a:lstStyle>
-            <a:extLst/>
-          </a:lstStyle>
+          <a:lstStyle/>
           <a:p>
             <a:pPr lvl="0" eaLnBrk="1" latinLnBrk="0" hangingPunct="1"/>
             <a:r>
@@ -7415,7 +7244,6 @@
                 </a:solidFill>
               </a:defRPr>
             </a:lvl1pPr>
-            <a:extLst/>
           </a:lstStyle>
           <a:p>
             <a:pPr lvl="0"/>
@@ -7452,7 +7280,6 @@
                 </a:solidFill>
               </a:defRPr>
             </a:lvl1pPr>
-            <a:extLst/>
           </a:lstStyle>
           <a:p>
             <a:pPr lvl="0"/>
@@ -7489,12 +7316,12 @@
                 </a:solidFill>
               </a:defRPr>
             </a:lvl1pPr>
-            <a:extLst/>
           </a:lstStyle>
           <a:p>
             <a:pPr lvl="0"/>
             <a:fld id="{3BFA4807-E3A1-49AD-881A-0BE721EA2565}" type="slidenum">
               <a:rPr lang="es-ES" smtClean="0"/>
+              <a:pPr lvl="0"/>
               <a:t>‹Nº›</a:t>
             </a:fld>
             <a:endParaRPr lang="es-ES"/>
@@ -7569,7 +7396,6 @@
           <a:cs typeface="+mj-cs"/>
         </a:defRPr>
       </a:lvl1pPr>
-      <a:extLst/>
     </p:titleStyle>
     <p:bodyStyle>
       <a:lvl1pPr marL="302383" indent="-302383" algn="l" rtl="0" eaLnBrk="1" latinLnBrk="0" hangingPunct="1">
@@ -7750,7 +7576,6 @@
           <a:cs typeface="+mn-cs"/>
         </a:defRPr>
       </a:lvl9pPr>
-      <a:extLst/>
     </p:bodyStyle>
     <p:otherStyle>
       <a:lvl1pPr marL="0" algn="l" rtl="0" eaLnBrk="1" latinLnBrk="0" hangingPunct="1">
@@ -7843,7 +7668,6 @@
           <a:cs typeface="+mn-cs"/>
         </a:defRPr>
       </a:lvl9pPr>
-      <a:extLst/>
     </p:otherStyle>
   </p:txStyles>
 </p:sldMaster>
@@ -7998,12 +7822,8 @@
           <a:p>
             <a:pPr algn="ctr"/>
             <a:r>
-              <a:rPr lang="es-ES" dirty="0" smtClean="0"/>
-              <a:t>Escritorio </a:t>
-            </a:r>
-            <a:r>
               <a:rPr lang="es-ES" dirty="0" err="1" smtClean="0"/>
-              <a:t>wordpress</a:t>
+              <a:t>Pechakucha</a:t>
             </a:r>
             <a:endParaRPr lang="es-ES" dirty="0"/>
           </a:p>
@@ -8011,7 +7831,7 @@
       </p:sp>
       <p:sp>
         <p:nvSpPr>
-          <p:cNvPr id="10" name="9 Marcador de contenido"/>
+          <p:cNvPr id="6" name="5 Marcador de contenido"/>
           <p:cNvSpPr>
             <a:spLocks noGrp="1"/>
           </p:cNvSpPr>
@@ -8021,7 +7841,7 @@
         </p:nvSpPr>
         <p:spPr/>
         <p:txBody>
-          <a:bodyPr anchor="b"/>
+          <a:bodyPr anchor="t"/>
           <a:lstStyle/>
           <a:p>
             <a:pPr>
@@ -8030,22 +7850,51 @@
               </a:lnSpc>
             </a:pPr>
             <a:r>
+              <a:rPr lang="es-ES" dirty="0"/>
+              <a:t>Japonés: cháchara o parloteo.</a:t>
+            </a:r>
+          </a:p>
+          <a:p>
+            <a:pPr>
+              <a:lnSpc>
+                <a:spcPct val="150000"/>
+              </a:lnSpc>
+            </a:pPr>
+            <a:r>
               <a:rPr lang="es-ES" dirty="0" smtClean="0"/>
-              <a:t>Primeras pruebas</a:t>
-            </a:r>
-          </a:p>
-          <a:p>
+              <a:t>Sencilla e informal</a:t>
+            </a:r>
+          </a:p>
+          <a:p>
+            <a:pPr>
+              <a:lnSpc>
+                <a:spcPct val="150000"/>
+              </a:lnSpc>
+            </a:pPr>
+            <a:r>
+              <a:rPr lang="es-ES" b="1" dirty="0" smtClean="0"/>
+              <a:t>20x20</a:t>
+            </a:r>
+          </a:p>
+          <a:p>
+            <a:pPr>
+              <a:lnSpc>
+                <a:spcPct val="150000"/>
+              </a:lnSpc>
+            </a:pPr>
             <a:r>
               <a:rPr lang="es-ES" dirty="0" smtClean="0"/>
-              <a:t>Añadir imagen</a:t>
-            </a:r>
+              <a:t>Tokio 2003. Encuentro de jóvenes emprendedores</a:t>
+            </a:r>
+          </a:p>
+          <a:p>
             <a:endParaRPr lang="es-ES" dirty="0"/>
           </a:p>
         </p:txBody>
       </p:sp>
       <p:pic>
         <p:nvPicPr>
-          <p:cNvPr id="11" name="10 Imagen"/>
+          <p:cNvPr id="7" name="6 Imagen"/>
           <p:cNvPicPr>
             <a:picLocks noChangeAspect="1"/>
           </p:cNvPicPr>
@@ -8065,8 +7914,8 @@
         </p:blipFill>
         <p:spPr>
           <a:xfrm>
-            <a:off x="445184" y="1475582"/>
-            <a:ext cx="8319292" cy="4080566"/>
+            <a:off x="5256338" y="5039701"/>
+            <a:ext cx="3192573" cy="2124512"/>
           </a:xfrm>
           <a:prstGeom prst="rect">
             <a:avLst/>
@@ -8076,7 +7925,7 @@
     </p:spTree>
     <p:extLst>
       <p:ext uri="{BB962C8B-B14F-4D97-AF65-F5344CB8AC3E}">
-        <p14:creationId xmlns:p14="http://schemas.microsoft.com/office/powerpoint/2010/main" val="2352309203"/>
+        <p14:creationId xmlns:p14="http://schemas.microsoft.com/office/powerpoint/2010/main" val="2245188415"/>
       </p:ext>
     </p:extLst>
   </p:cSld>
@@ -8112,7 +7961,7 @@
       </p:grpSpPr>
       <p:sp>
         <p:nvSpPr>
-          <p:cNvPr id="2" name="1 Título"/>
+          <p:cNvPr id="5" name="4 Título"/>
           <p:cNvSpPr>
             <a:spLocks noGrp="1"/>
           </p:cNvSpPr>
@@ -8128,11 +7977,11 @@
             <a:pPr algn="ctr"/>
             <a:r>
               <a:rPr lang="es-ES" dirty="0" smtClean="0"/>
-              <a:t>Archivos CSS y </a:t>
+              <a:t>Escritorio </a:t>
             </a:r>
             <a:r>
               <a:rPr lang="es-ES" dirty="0" err="1" smtClean="0"/>
-              <a:t>php</a:t>
+              <a:t>wordpress</a:t>
             </a:r>
             <a:endParaRPr lang="es-ES" dirty="0"/>
           </a:p>
@@ -8140,7 +7989,7 @@
       </p:sp>
       <p:sp>
         <p:nvSpPr>
-          <p:cNvPr id="3" name="2 Marcador de contenido"/>
+          <p:cNvPr id="10" name="9 Marcador de contenido"/>
           <p:cNvSpPr>
             <a:spLocks noGrp="1"/>
           </p:cNvSpPr>
@@ -8150,93 +7999,62 @@
         </p:nvSpPr>
         <p:spPr/>
         <p:txBody>
-          <a:bodyPr anchor="ctr"/>
-          <a:lstStyle/>
-          <a:p>
-            <a:pPr marL="0" indent="0" algn="ctr">
-              <a:buNone/>
+          <a:bodyPr anchor="b"/>
+          <a:lstStyle/>
+          <a:p>
+            <a:pPr>
+              <a:lnSpc>
+                <a:spcPct val="150000"/>
+              </a:lnSpc>
             </a:pPr>
             <a:r>
               <a:rPr lang="es-ES" dirty="0" smtClean="0"/>
-              <a:t>bootstrap.min.css</a:t>
-            </a:r>
-          </a:p>
-          <a:p>
-            <a:pPr marL="0" indent="0" algn="ctr">
-              <a:buNone/>
-            </a:pPr>
+              <a:t>Primeras pruebas</a:t>
+            </a:r>
+          </a:p>
+          <a:p>
             <a:r>
               <a:rPr lang="es-ES" dirty="0" smtClean="0"/>
-              <a:t>bootstrap-theme.css</a:t>
-            </a:r>
-          </a:p>
-          <a:p>
-            <a:pPr marL="0" indent="0" algn="ctr">
-              <a:buNone/>
-            </a:pPr>
-            <a:r>
-              <a:rPr lang="es-ES" dirty="0" smtClean="0"/>
-              <a:t>Theme-base.css</a:t>
-            </a:r>
-          </a:p>
-          <a:p>
-            <a:pPr marL="0" indent="0" algn="ctr">
-              <a:buNone/>
-            </a:pPr>
-            <a:r>
-              <a:rPr lang="es-ES" dirty="0" smtClean="0"/>
-              <a:t>theme-flat.css</a:t>
-            </a:r>
-          </a:p>
-          <a:p>
-            <a:pPr marL="0" indent="0" algn="ctr">
-              <a:buNone/>
-            </a:pPr>
-            <a:r>
-              <a:rPr lang="es-ES" dirty="0" smtClean="0"/>
-              <a:t>style.css</a:t>
-            </a:r>
-          </a:p>
-          <a:p>
-            <a:pPr marL="0" indent="0" algn="ctr">
-              <a:buNone/>
-            </a:pPr>
-            <a:r>
-              <a:rPr lang="es-ES" dirty="0" err="1" smtClean="0"/>
-              <a:t>footer.php</a:t>
-            </a:r>
-            <a:endParaRPr lang="es-ES" dirty="0" smtClean="0"/>
-          </a:p>
-          <a:p>
-            <a:pPr marL="0" indent="0" algn="ctr">
-              <a:buNone/>
-            </a:pPr>
-            <a:r>
-              <a:rPr lang="es-ES" dirty="0" err="1" smtClean="0"/>
-              <a:t>header.php</a:t>
-            </a:r>
-            <a:endParaRPr lang="es-ES" dirty="0" smtClean="0"/>
-          </a:p>
-          <a:p>
-            <a:pPr marL="0" indent="0" algn="ctr">
-              <a:buNone/>
-            </a:pPr>
-            <a:r>
-              <a:rPr lang="es-ES" dirty="0" err="1"/>
-              <a:t>i</a:t>
-            </a:r>
-            <a:r>
-              <a:rPr lang="es-ES" dirty="0" err="1" smtClean="0"/>
-              <a:t>ndex.php</a:t>
-            </a:r>
-            <a:endParaRPr lang="es-ES" dirty="0" smtClean="0"/>
-          </a:p>
-        </p:txBody>
-      </p:sp>
+              <a:t>Añadir imagen</a:t>
+            </a:r>
+            <a:endParaRPr lang="es-ES" dirty="0"/>
+          </a:p>
+        </p:txBody>
+      </p:sp>
+      <p:pic>
+        <p:nvPicPr>
+          <p:cNvPr id="11" name="10 Imagen"/>
+          <p:cNvPicPr>
+            <a:picLocks noChangeAspect="1"/>
+          </p:cNvPicPr>
+          <p:nvPr/>
+        </p:nvPicPr>
+        <p:blipFill>
+          <a:blip r:embed="rId2">
+            <a:extLst>
+              <a:ext uri="{28A0092B-C50C-407E-A947-70E740481C1C}">
+                <a14:useLocalDpi xmlns:a14="http://schemas.microsoft.com/office/drawing/2010/main" val="0"/>
+              </a:ext>
+            </a:extLst>
+          </a:blip>
+          <a:stretch>
+            <a:fillRect/>
+          </a:stretch>
+        </p:blipFill>
+        <p:spPr>
+          <a:xfrm>
+            <a:off x="445184" y="1475582"/>
+            <a:ext cx="8319292" cy="4080566"/>
+          </a:xfrm>
+          <a:prstGeom prst="rect">
+            <a:avLst/>
+          </a:prstGeom>
+        </p:spPr>
+      </p:pic>
     </p:spTree>
     <p:extLst>
       <p:ext uri="{BB962C8B-B14F-4D97-AF65-F5344CB8AC3E}">
-        <p14:creationId xmlns:p14="http://schemas.microsoft.com/office/powerpoint/2010/main" val="2422117128"/>
+        <p14:creationId xmlns:p14="http://schemas.microsoft.com/office/powerpoint/2010/main" val="2352309203"/>
       </p:ext>
     </p:extLst>
   </p:cSld>
@@ -8282,6 +8100,166 @@
         </p:nvSpPr>
         <p:spPr/>
         <p:txBody>
+          <a:bodyPr anchor="ctr"/>
+          <a:lstStyle/>
+          <a:p>
+            <a:pPr algn="ctr"/>
+            <a:r>
+              <a:rPr lang="es-ES" dirty="0" smtClean="0"/>
+              <a:t>Archivos CSS y </a:t>
+            </a:r>
+            <a:r>
+              <a:rPr lang="es-ES" dirty="0" err="1" smtClean="0"/>
+              <a:t>php</a:t>
+            </a:r>
+            <a:endParaRPr lang="es-ES" dirty="0"/>
+          </a:p>
+        </p:txBody>
+      </p:sp>
+      <p:sp>
+        <p:nvSpPr>
+          <p:cNvPr id="3" name="2 Marcador de contenido"/>
+          <p:cNvSpPr>
+            <a:spLocks noGrp="1"/>
+          </p:cNvSpPr>
+          <p:nvPr>
+            <p:ph idx="1"/>
+          </p:nvPr>
+        </p:nvSpPr>
+        <p:spPr/>
+        <p:txBody>
+          <a:bodyPr anchor="ctr"/>
+          <a:lstStyle/>
+          <a:p>
+            <a:pPr marL="0" indent="0" algn="ctr">
+              <a:buNone/>
+            </a:pPr>
+            <a:r>
+              <a:rPr lang="es-ES" dirty="0" smtClean="0"/>
+              <a:t>bootstrap.min.css</a:t>
+            </a:r>
+          </a:p>
+          <a:p>
+            <a:pPr marL="0" indent="0" algn="ctr">
+              <a:buNone/>
+            </a:pPr>
+            <a:r>
+              <a:rPr lang="es-ES" dirty="0" smtClean="0"/>
+              <a:t>bootstrap-theme.css</a:t>
+            </a:r>
+          </a:p>
+          <a:p>
+            <a:pPr marL="0" indent="0" algn="ctr">
+              <a:buNone/>
+            </a:pPr>
+            <a:r>
+              <a:rPr lang="es-ES" dirty="0" smtClean="0"/>
+              <a:t>Theme-base.css</a:t>
+            </a:r>
+          </a:p>
+          <a:p>
+            <a:pPr marL="0" indent="0" algn="ctr">
+              <a:buNone/>
+            </a:pPr>
+            <a:r>
+              <a:rPr lang="es-ES" dirty="0" smtClean="0"/>
+              <a:t>theme-flat.css</a:t>
+            </a:r>
+          </a:p>
+          <a:p>
+            <a:pPr marL="0" indent="0" algn="ctr">
+              <a:buNone/>
+            </a:pPr>
+            <a:r>
+              <a:rPr lang="es-ES" dirty="0" smtClean="0"/>
+              <a:t>style.css</a:t>
+            </a:r>
+          </a:p>
+          <a:p>
+            <a:pPr marL="0" indent="0" algn="ctr">
+              <a:buNone/>
+            </a:pPr>
+            <a:r>
+              <a:rPr lang="es-ES" dirty="0" err="1" smtClean="0"/>
+              <a:t>footer.php</a:t>
+            </a:r>
+            <a:endParaRPr lang="es-ES" dirty="0" smtClean="0"/>
+          </a:p>
+          <a:p>
+            <a:pPr marL="0" indent="0" algn="ctr">
+              <a:buNone/>
+            </a:pPr>
+            <a:r>
+              <a:rPr lang="es-ES" dirty="0" err="1" smtClean="0"/>
+              <a:t>header.php</a:t>
+            </a:r>
+            <a:endParaRPr lang="es-ES" dirty="0" smtClean="0"/>
+          </a:p>
+          <a:p>
+            <a:pPr marL="0" indent="0" algn="ctr">
+              <a:buNone/>
+            </a:pPr>
+            <a:r>
+              <a:rPr lang="es-ES" dirty="0" err="1"/>
+              <a:t>i</a:t>
+            </a:r>
+            <a:r>
+              <a:rPr lang="es-ES" dirty="0" err="1" smtClean="0"/>
+              <a:t>ndex.php</a:t>
+            </a:r>
+            <a:endParaRPr lang="es-ES" dirty="0" smtClean="0"/>
+          </a:p>
+        </p:txBody>
+      </p:sp>
+    </p:spTree>
+    <p:extLst>
+      <p:ext uri="{BB962C8B-B14F-4D97-AF65-F5344CB8AC3E}">
+        <p14:creationId xmlns:p14="http://schemas.microsoft.com/office/powerpoint/2010/main" val="2422117128"/>
+      </p:ext>
+    </p:extLst>
+  </p:cSld>
+  <p:clrMapOvr>
+    <a:masterClrMapping/>
+  </p:clrMapOvr>
+  <p:timing>
+    <p:tnLst>
+      <p:par>
+        <p:cTn id="1" dur="indefinite" restart="never" nodeType="tmRoot"/>
+      </p:par>
+    </p:tnLst>
+  </p:timing>
+</p:sld>
+</file>
+
+<file path=ppt/slides/slide13.xml><?xml version="1.0" encoding="utf-8"?>
+<p:sld xmlns:a="http://schemas.openxmlformats.org/drawingml/2006/main" xmlns:r="http://schemas.openxmlformats.org/officeDocument/2006/relationships" xmlns:p="http://schemas.openxmlformats.org/presentationml/2006/main">
+  <p:cSld>
+    <p:spTree>
+      <p:nvGrpSpPr>
+        <p:cNvPr id="1" name=""/>
+        <p:cNvGrpSpPr/>
+        <p:nvPr/>
+      </p:nvGrpSpPr>
+      <p:grpSpPr>
+        <a:xfrm>
+          <a:off x="0" y="0"/>
+          <a:ext cx="0" cy="0"/>
+          <a:chOff x="0" y="0"/>
+          <a:chExt cx="0" cy="0"/>
+        </a:xfrm>
+      </p:grpSpPr>
+      <p:sp>
+        <p:nvSpPr>
+          <p:cNvPr id="2" name="1 Título"/>
+          <p:cNvSpPr>
+            <a:spLocks noGrp="1"/>
+          </p:cNvSpPr>
+          <p:nvPr>
+            <p:ph type="title"/>
+          </p:nvPr>
+        </p:nvSpPr>
+        <p:spPr/>
+        <p:txBody>
           <a:bodyPr anchor="ctr">
             <a:normAutofit fontScale="90000"/>
           </a:bodyPr>
@@ -8345,7 +8323,7 @@
 </p:sld>
 </file>
 
-<file path=ppt/slides/slide13.xml><?xml version="1.0" encoding="utf-8"?>
+<file path=ppt/slides/slide14.xml><?xml version="1.0" encoding="utf-8"?>
 <p:sld xmlns:a="http://schemas.openxmlformats.org/drawingml/2006/main" xmlns:r="http://schemas.openxmlformats.org/officeDocument/2006/relationships" xmlns:p="http://schemas.openxmlformats.org/presentationml/2006/main">
   <p:cSld>
     <p:spTree>
@@ -8480,7 +8458,7 @@
 </p:sld>
 </file>
 
-<file path=ppt/slides/slide14.xml><?xml version="1.0" encoding="utf-8"?>
+<file path=ppt/slides/slide15.xml><?xml version="1.0" encoding="utf-8"?>
 <p:sld xmlns:a="http://schemas.openxmlformats.org/drawingml/2006/main" xmlns:r="http://schemas.openxmlformats.org/officeDocument/2006/relationships" xmlns:p="http://schemas.openxmlformats.org/presentationml/2006/main">
   <p:cSld>
     <p:spTree>
@@ -8509,7 +8487,7 @@
         </p:nvSpPr>
         <p:spPr>
           <a:xfrm>
-            <a:off x="2393879" y="4499917"/>
+            <a:off x="2393881" y="2483693"/>
             <a:ext cx="3881041" cy="503978"/>
           </a:xfrm>
         </p:spPr>
@@ -8524,38 +8502,6 @@
             <a:r>
               <a:rPr lang="es-ES" dirty="0" smtClean="0"/>
               <a:t>tyle.css</a:t>
-            </a:r>
-            <a:endParaRPr lang="es-ES" dirty="0"/>
-          </a:p>
-        </p:txBody>
-      </p:sp>
-      <p:sp>
-        <p:nvSpPr>
-          <p:cNvPr id="4" name="3 Marcador de texto"/>
-          <p:cNvSpPr>
-            <a:spLocks noGrp="1"/>
-          </p:cNvSpPr>
-          <p:nvPr>
-            <p:ph type="body" sz="half" idx="3"/>
-          </p:nvPr>
-        </p:nvSpPr>
-        <p:spPr>
-          <a:xfrm>
-            <a:off x="2393879" y="2267669"/>
-            <a:ext cx="3881041" cy="503978"/>
-          </a:xfrm>
-        </p:spPr>
-        <p:txBody>
-          <a:bodyPr/>
-          <a:lstStyle/>
-          <a:p>
-            <a:r>
-              <a:rPr lang="es-ES" dirty="0" err="1"/>
-              <a:t>h</a:t>
-            </a:r>
-            <a:r>
-              <a:rPr lang="es-ES" dirty="0" err="1" smtClean="0"/>
-              <a:t>eader.php</a:t>
             </a:r>
             <a:endParaRPr lang="es-ES" dirty="0"/>
           </a:p>
@@ -8598,12 +8544,12 @@
       </p:pic>
       <p:pic>
         <p:nvPicPr>
-          <p:cNvPr id="11" name="10 Marcador de contenido"/>
+          <p:cNvPr id="13" name="12 Marcador de contenido"/>
           <p:cNvPicPr>
-            <a:picLocks noGrp="1"/>
+            <a:picLocks noGrp="1" noChangeAspect="1"/>
           </p:cNvPicPr>
           <p:nvPr>
-            <p:ph sz="quarter" idx="4"/>
+            <p:ph sz="quarter" idx="2"/>
           </p:nvPr>
         </p:nvPicPr>
         <p:blipFill>
@@ -8620,37 +8566,8 @@
         </p:blipFill>
         <p:spPr>
           <a:xfrm>
-            <a:off x="1382072" y="3059759"/>
-            <a:ext cx="5904656" cy="1440160"/>
-          </a:xfrm>
-        </p:spPr>
-      </p:pic>
-      <p:pic>
-        <p:nvPicPr>
-          <p:cNvPr id="13" name="12 Marcador de contenido"/>
-          <p:cNvPicPr>
-            <a:picLocks noGrp="1" noChangeAspect="1"/>
-          </p:cNvPicPr>
-          <p:nvPr>
-            <p:ph sz="quarter" idx="2"/>
-          </p:nvPr>
-        </p:nvPicPr>
-        <p:blipFill>
-          <a:blip r:embed="rId4">
-            <a:extLst>
-              <a:ext uri="{28A0092B-C50C-407E-A947-70E740481C1C}">
-                <a14:useLocalDpi xmlns:a14="http://schemas.microsoft.com/office/drawing/2010/main" val="0"/>
-              </a:ext>
-            </a:extLst>
-          </a:blip>
-          <a:stretch>
-            <a:fillRect/>
-          </a:stretch>
-        </p:blipFill>
-        <p:spPr>
-          <a:xfrm>
-            <a:off x="2393681" y="5219999"/>
-            <a:ext cx="3881438" cy="1954884"/>
+            <a:off x="1943968" y="3635821"/>
+            <a:ext cx="5123241" cy="2580317"/>
           </a:xfrm>
         </p:spPr>
       </p:pic>
@@ -8658,134 +8575,6 @@
     <p:extLst>
       <p:ext uri="{BB962C8B-B14F-4D97-AF65-F5344CB8AC3E}">
         <p14:creationId xmlns:p14="http://schemas.microsoft.com/office/powerpoint/2010/main" val="2675366071"/>
-      </p:ext>
-    </p:extLst>
-  </p:cSld>
-  <p:clrMapOvr>
-    <a:masterClrMapping/>
-  </p:clrMapOvr>
-  <p:timing>
-    <p:tnLst>
-      <p:par>
-        <p:cTn id="1" dur="indefinite" restart="never" nodeType="tmRoot"/>
-      </p:par>
-    </p:tnLst>
-  </p:timing>
-</p:sld>
-</file>
-
-<file path=ppt/slides/slide15.xml><?xml version="1.0" encoding="utf-8"?>
-<p:sld xmlns:a="http://schemas.openxmlformats.org/drawingml/2006/main" xmlns:r="http://schemas.openxmlformats.org/officeDocument/2006/relationships" xmlns:p="http://schemas.openxmlformats.org/presentationml/2006/main">
-  <p:cSld>
-    <p:spTree>
-      <p:nvGrpSpPr>
-        <p:cNvPr id="1" name=""/>
-        <p:cNvGrpSpPr/>
-        <p:nvPr/>
-      </p:nvGrpSpPr>
-      <p:grpSpPr>
-        <a:xfrm>
-          <a:off x="0" y="0"/>
-          <a:ext cx="0" cy="0"/>
-          <a:chOff x="0" y="0"/>
-          <a:chExt cx="0" cy="0"/>
-        </a:xfrm>
-      </p:grpSpPr>
-      <p:sp>
-        <p:nvSpPr>
-          <p:cNvPr id="9" name="8 Marcador de texto"/>
-          <p:cNvSpPr>
-            <a:spLocks noGrp="1"/>
-          </p:cNvSpPr>
-          <p:nvPr>
-            <p:ph type="body" idx="1"/>
-          </p:nvPr>
-        </p:nvSpPr>
-        <p:spPr>
-          <a:xfrm>
-            <a:off x="2376018" y="3131765"/>
-            <a:ext cx="3881041" cy="503978"/>
-          </a:xfrm>
-        </p:spPr>
-        <p:txBody>
-          <a:bodyPr/>
-          <a:lstStyle/>
-          <a:p>
-            <a:r>
-              <a:rPr lang="es-ES" dirty="0" smtClean="0"/>
-              <a:t>bootstrap.min.css</a:t>
-            </a:r>
-            <a:endParaRPr lang="es-ES" dirty="0"/>
-          </a:p>
-        </p:txBody>
-      </p:sp>
-      <p:pic>
-        <p:nvPicPr>
-          <p:cNvPr id="13" name="12 Marcador de contenido"/>
-          <p:cNvPicPr>
-            <a:picLocks noGrp="1" noChangeAspect="1"/>
-          </p:cNvPicPr>
-          <p:nvPr>
-            <p:ph sz="quarter" idx="2"/>
-          </p:nvPr>
-        </p:nvPicPr>
-        <p:blipFill>
-          <a:blip r:embed="rId2">
-            <a:extLst>
-              <a:ext uri="{28A0092B-C50C-407E-A947-70E740481C1C}">
-                <a14:useLocalDpi xmlns:a14="http://schemas.microsoft.com/office/drawing/2010/main" val="0"/>
-              </a:ext>
-            </a:extLst>
-          </a:blip>
-          <a:stretch>
-            <a:fillRect/>
-          </a:stretch>
-        </p:blipFill>
-        <p:spPr>
-          <a:xfrm>
-            <a:off x="1799952" y="4211885"/>
-            <a:ext cx="4925348" cy="2592288"/>
-          </a:xfrm>
-        </p:spPr>
-      </p:pic>
-      <p:pic>
-        <p:nvPicPr>
-          <p:cNvPr id="14" name="13 Marcador de contenido"/>
-          <p:cNvPicPr>
-            <a:picLocks noGrp="1" noChangeAspect="1"/>
-          </p:cNvPicPr>
-          <p:nvPr>
-            <p:ph sz="quarter" idx="4"/>
-          </p:nvPr>
-        </p:nvPicPr>
-        <p:blipFill>
-          <a:blip r:embed="rId3">
-            <a:extLst>
-              <a:ext uri="{28A0092B-C50C-407E-A947-70E740481C1C}">
-                <a14:useLocalDpi xmlns:a14="http://schemas.microsoft.com/office/drawing/2010/main" val="0"/>
-              </a:ext>
-            </a:extLst>
-          </a:blip>
-          <a:stretch>
-            <a:fillRect/>
-          </a:stretch>
-        </p:blipFill>
-        <p:spPr>
-          <a:xfrm>
-            <a:off x="1655936" y="683494"/>
-            <a:ext cx="5832648" cy="2057796"/>
-          </a:xfrm>
-          <a:ln w="6350">
-            <a:solidFill>
-              <a:schemeClr val="tx1"/>
-            </a:solidFill>
-          </a:ln>
-        </p:spPr>
-      </p:pic>
-    </p:spTree>
-    <p:extLst>
-      <p:ext uri="{BB962C8B-B14F-4D97-AF65-F5344CB8AC3E}">
-        <p14:creationId xmlns:p14="http://schemas.microsoft.com/office/powerpoint/2010/main" val="2536401200"/>
       </p:ext>
     </p:extLst>
   </p:cSld>
@@ -8819,74 +8608,17 @@
           <a:chExt cx="0" cy="0"/>
         </a:xfrm>
       </p:grpSpPr>
-      <p:sp>
-        <p:nvSpPr>
-          <p:cNvPr id="2" name="1 Título"/>
-          <p:cNvSpPr>
-            <a:spLocks noGrp="1"/>
-          </p:cNvSpPr>
-          <p:nvPr>
-            <p:ph type="title"/>
-          </p:nvPr>
-        </p:nvSpPr>
-        <p:spPr>
-          <a:xfrm>
-            <a:off x="504031" y="352785"/>
-            <a:ext cx="7983855" cy="1050788"/>
-          </a:xfrm>
-        </p:spPr>
-        <p:txBody>
-          <a:bodyPr anchor="ctr"/>
-          <a:lstStyle/>
-          <a:p>
-            <a:pPr algn="ctr"/>
-            <a:r>
-              <a:rPr lang="es-ES" dirty="0" smtClean="0"/>
-              <a:t>Botones y enlaces</a:t>
-            </a:r>
-            <a:endParaRPr lang="es-ES" dirty="0"/>
-          </a:p>
-        </p:txBody>
-      </p:sp>
-      <p:sp>
-        <p:nvSpPr>
-          <p:cNvPr id="3" name="2 Marcador de texto"/>
-          <p:cNvSpPr>
-            <a:spLocks noGrp="1"/>
-          </p:cNvSpPr>
-          <p:nvPr>
-            <p:ph type="body" idx="1"/>
-          </p:nvPr>
-        </p:nvSpPr>
-        <p:spPr>
-          <a:xfrm>
-            <a:off x="1295898" y="1619597"/>
-            <a:ext cx="6408712" cy="503978"/>
-          </a:xfrm>
-        </p:spPr>
-        <p:txBody>
-          <a:bodyPr/>
-          <a:lstStyle/>
-          <a:p>
-            <a:r>
-              <a:rPr lang="es-ES" dirty="0" smtClean="0"/>
-              <a:t>theme-flat.css</a:t>
-            </a:r>
-            <a:endParaRPr lang="es-ES" dirty="0"/>
-          </a:p>
-        </p:txBody>
-      </p:sp>
       <p:pic>
         <p:nvPicPr>
-          <p:cNvPr id="10" name="9 Marcador de contenido"/>
+          <p:cNvPr id="12" name="11 Marcador de contenido"/>
           <p:cNvPicPr>
             <a:picLocks noGrp="1" noChangeAspect="1"/>
           </p:cNvPicPr>
           <p:nvPr>
-            <p:ph sz="quarter" idx="4"/>
+            <p:ph sz="quarter" idx="2"/>
           </p:nvPr>
         </p:nvPicPr>
-        <p:blipFill>
+        <p:blipFill rotWithShape="1">
           <a:blip r:embed="rId2">
             <a:extLst>
               <a:ext uri="{28A0092B-C50C-407E-A947-70E740481C1C}">
@@ -8894,31 +8626,86 @@
               </a:ext>
             </a:extLst>
           </a:blip>
-          <a:stretch>
-            <a:fillRect/>
-          </a:stretch>
+          <a:srcRect b="15869"/>
+          <a:stretch/>
         </p:blipFill>
         <p:spPr>
           <a:xfrm>
-            <a:off x="2087985" y="5580037"/>
-            <a:ext cx="5328591" cy="864096"/>
-          </a:xfrm>
-          <a:ln w="6350">
-            <a:solidFill>
-              <a:schemeClr val="tx1"/>
-            </a:solidFill>
-          </a:ln>
+            <a:off x="-64480" y="1"/>
+            <a:ext cx="9065232" cy="3063240"/>
+          </a:xfrm>
         </p:spPr>
       </p:pic>
+      <p:sp>
+        <p:nvSpPr>
+          <p:cNvPr id="2" name="1 Título"/>
+          <p:cNvSpPr>
+            <a:spLocks noGrp="1"/>
+          </p:cNvSpPr>
+          <p:nvPr>
+            <p:ph type="title"/>
+          </p:nvPr>
+        </p:nvSpPr>
+        <p:spPr>
+          <a:xfrm>
+            <a:off x="504031" y="352785"/>
+            <a:ext cx="7983855" cy="2202916"/>
+          </a:xfrm>
+        </p:spPr>
+        <p:txBody>
+          <a:bodyPr anchor="b">
+            <a:normAutofit/>
+          </a:bodyPr>
+          <a:lstStyle/>
+          <a:p>
+            <a:pPr algn="ctr"/>
+            <a:r>
+              <a:rPr lang="es-ES" dirty="0" smtClean="0"/>
+              <a:t>Imagen de cabecera</a:t>
+            </a:r>
+            <a:endParaRPr lang="es-ES" b="0" dirty="0"/>
+          </a:p>
+        </p:txBody>
+      </p:sp>
+      <p:sp>
+        <p:nvSpPr>
+          <p:cNvPr id="9" name="3 Marcador de texto"/>
+          <p:cNvSpPr>
+            <a:spLocks noGrp="1"/>
+          </p:cNvSpPr>
+          <p:nvPr>
+            <p:ph type="body" sz="half" idx="3"/>
+          </p:nvPr>
+        </p:nvSpPr>
+        <p:spPr>
+          <a:xfrm>
+            <a:off x="2520032" y="3419797"/>
+            <a:ext cx="3881041" cy="503978"/>
+          </a:xfrm>
+        </p:spPr>
+        <p:txBody>
+          <a:bodyPr/>
+          <a:lstStyle/>
+          <a:p>
+            <a:r>
+              <a:rPr lang="es-ES" dirty="0" err="1"/>
+              <a:t>h</a:t>
+            </a:r>
+            <a:r>
+              <a:rPr lang="es-ES" dirty="0" err="1" smtClean="0"/>
+              <a:t>eader.php</a:t>
+            </a:r>
+            <a:endParaRPr lang="es-ES" dirty="0"/>
+          </a:p>
+        </p:txBody>
+      </p:sp>
       <p:pic>
         <p:nvPicPr>
-          <p:cNvPr id="9" name="8 Marcador de contenido"/>
+          <p:cNvPr id="10" name="10 Marcador de contenido"/>
           <p:cNvPicPr>
-            <a:picLocks noGrp="1" noChangeAspect="1"/>
+            <a:picLocks/>
           </p:cNvPicPr>
-          <p:nvPr>
-            <p:ph sz="quarter" idx="2"/>
-          </p:nvPr>
+          <p:nvPr/>
         </p:nvPicPr>
         <p:blipFill>
           <a:blip r:embed="rId3">
@@ -8934,20 +8721,18 @@
         </p:blipFill>
         <p:spPr>
           <a:xfrm>
-            <a:off x="2087984" y="2843733"/>
-            <a:ext cx="5306586" cy="2555580"/>
-          </a:xfrm>
-          <a:ln w="6350">
-            <a:solidFill>
-              <a:schemeClr val="tx1"/>
-            </a:solidFill>
-          </a:ln>
+            <a:off x="1583928" y="4283893"/>
+            <a:ext cx="5904656" cy="1440160"/>
+          </a:xfrm>
+          <a:prstGeom prst="rect">
+            <a:avLst/>
+          </a:prstGeom>
         </p:spPr>
       </p:pic>
     </p:spTree>
     <p:extLst>
       <p:ext uri="{BB962C8B-B14F-4D97-AF65-F5344CB8AC3E}">
-        <p14:creationId xmlns:p14="http://schemas.microsoft.com/office/powerpoint/2010/main" val="3701018689"/>
+        <p14:creationId xmlns:p14="http://schemas.microsoft.com/office/powerpoint/2010/main" val="89064173"/>
       </p:ext>
     </p:extLst>
   </p:cSld>
@@ -8983,96 +8768,99 @@
       </p:grpSpPr>
       <p:sp>
         <p:nvSpPr>
-          <p:cNvPr id="7" name="6 Título"/>
-          <p:cNvSpPr>
-            <a:spLocks noGrp="1"/>
-          </p:cNvSpPr>
-          <p:nvPr>
-            <p:ph type="title"/>
-          </p:nvPr>
-        </p:nvSpPr>
-        <p:spPr/>
-        <p:txBody>
-          <a:bodyPr anchor="t">
-            <a:normAutofit/>
-          </a:bodyPr>
-          <a:lstStyle/>
-          <a:p>
-            <a:pPr algn="ctr"/>
-            <a:r>
-              <a:rPr lang="es-ES" sz="4400" dirty="0" smtClean="0"/>
-              <a:t>Adaptable según el ciclo</a:t>
-            </a:r>
-            <a:endParaRPr lang="es-ES" sz="4400" dirty="0"/>
-          </a:p>
-        </p:txBody>
-      </p:sp>
-      <p:sp>
-        <p:nvSpPr>
-          <p:cNvPr id="8" name="7 Marcador de contenido"/>
-          <p:cNvSpPr>
-            <a:spLocks noGrp="1"/>
-          </p:cNvSpPr>
-          <p:nvPr>
-            <p:ph idx="1"/>
-          </p:nvPr>
-        </p:nvSpPr>
-        <p:spPr/>
-        <p:txBody>
-          <a:bodyPr anchor="ctr"/>
+          <p:cNvPr id="9" name="8 Marcador de texto"/>
+          <p:cNvSpPr>
+            <a:spLocks noGrp="1"/>
+          </p:cNvSpPr>
+          <p:nvPr>
+            <p:ph type="body" idx="1"/>
+          </p:nvPr>
+        </p:nvSpPr>
+        <p:spPr>
+          <a:xfrm>
+            <a:off x="2376018" y="3131765"/>
+            <a:ext cx="3881041" cy="503978"/>
+          </a:xfrm>
+        </p:spPr>
+        <p:txBody>
+          <a:bodyPr/>
           <a:lstStyle/>
           <a:p>
             <a:r>
               <a:rPr lang="es-ES" dirty="0" smtClean="0"/>
-              <a:t>Cambiar el color de fondo</a:t>
-            </a:r>
-          </a:p>
-          <a:p>
-            <a:pPr lvl="1"/>
-            <a:r>
-              <a:rPr lang="es-ES" dirty="0"/>
-              <a:t>Diferentes escalas de un mismo color</a:t>
-            </a:r>
-            <a:r>
-              <a:rPr lang="es-ES" dirty="0" smtClean="0"/>
-              <a:t>.</a:t>
-            </a:r>
-          </a:p>
-          <a:p>
-            <a:pPr lvl="1"/>
-            <a:endParaRPr lang="es-ES" dirty="0" smtClean="0"/>
-          </a:p>
-          <a:p>
-            <a:r>
-              <a:rPr lang="es-ES" dirty="0" smtClean="0"/>
-              <a:t>Cambiar la fuente</a:t>
-            </a:r>
-          </a:p>
-          <a:p>
-            <a:pPr lvl="1"/>
-            <a:r>
-              <a:rPr lang="es-ES" dirty="0" smtClean="0"/>
-              <a:t>Teniendo en cuenta los estilos de </a:t>
-            </a:r>
-            <a:r>
-              <a:rPr lang="es-ES" dirty="0" err="1" smtClean="0"/>
-              <a:t>Egibide</a:t>
-            </a:r>
-            <a:r>
-              <a:rPr lang="es-ES" dirty="0" smtClean="0"/>
-              <a:t>.</a:t>
-            </a:r>
-          </a:p>
-          <a:p>
-            <a:pPr lvl="1"/>
-            <a:endParaRPr lang="es-ES" dirty="0" smtClean="0"/>
-          </a:p>
-        </p:txBody>
-      </p:sp>
+              <a:t>bootstrap.min.css</a:t>
+            </a:r>
+            <a:endParaRPr lang="es-ES" dirty="0"/>
+          </a:p>
+        </p:txBody>
+      </p:sp>
+      <p:pic>
+        <p:nvPicPr>
+          <p:cNvPr id="13" name="12 Marcador de contenido"/>
+          <p:cNvPicPr>
+            <a:picLocks noGrp="1" noChangeAspect="1"/>
+          </p:cNvPicPr>
+          <p:nvPr>
+            <p:ph sz="quarter" idx="2"/>
+          </p:nvPr>
+        </p:nvPicPr>
+        <p:blipFill>
+          <a:blip r:embed="rId2">
+            <a:extLst>
+              <a:ext uri="{28A0092B-C50C-407E-A947-70E740481C1C}">
+                <a14:useLocalDpi xmlns:a14="http://schemas.microsoft.com/office/drawing/2010/main" val="0"/>
+              </a:ext>
+            </a:extLst>
+          </a:blip>
+          <a:stretch>
+            <a:fillRect/>
+          </a:stretch>
+        </p:blipFill>
+        <p:spPr>
+          <a:xfrm>
+            <a:off x="1799952" y="4211885"/>
+            <a:ext cx="4925348" cy="2592288"/>
+          </a:xfrm>
+        </p:spPr>
+      </p:pic>
+      <p:pic>
+        <p:nvPicPr>
+          <p:cNvPr id="14" name="13 Marcador de contenido"/>
+          <p:cNvPicPr>
+            <a:picLocks noGrp="1" noChangeAspect="1"/>
+          </p:cNvPicPr>
+          <p:nvPr>
+            <p:ph sz="quarter" idx="4"/>
+          </p:nvPr>
+        </p:nvPicPr>
+        <p:blipFill>
+          <a:blip r:embed="rId3">
+            <a:extLst>
+              <a:ext uri="{28A0092B-C50C-407E-A947-70E740481C1C}">
+                <a14:useLocalDpi xmlns:a14="http://schemas.microsoft.com/office/drawing/2010/main" val="0"/>
+              </a:ext>
+            </a:extLst>
+          </a:blip>
+          <a:stretch>
+            <a:fillRect/>
+          </a:stretch>
+        </p:blipFill>
+        <p:spPr>
+          <a:xfrm>
+            <a:off x="1655936" y="683494"/>
+            <a:ext cx="5832648" cy="2057796"/>
+          </a:xfrm>
+          <a:ln w="6350">
+            <a:solidFill>
+              <a:schemeClr val="tx1"/>
+            </a:solidFill>
+          </a:ln>
+        </p:spPr>
+      </p:pic>
     </p:spTree>
     <p:extLst>
       <p:ext uri="{BB962C8B-B14F-4D97-AF65-F5344CB8AC3E}">
-        <p14:creationId xmlns:p14="http://schemas.microsoft.com/office/powerpoint/2010/main" val="1393744576"/>
+        <p14:creationId xmlns:p14="http://schemas.microsoft.com/office/powerpoint/2010/main" val="2536401200"/>
       </p:ext>
     </p:extLst>
   </p:cSld>
@@ -9116,64 +8904,48 @@
             <p:ph type="title"/>
           </p:nvPr>
         </p:nvSpPr>
-        <p:spPr/>
+        <p:spPr>
+          <a:xfrm>
+            <a:off x="504031" y="352785"/>
+            <a:ext cx="7983855" cy="1050788"/>
+          </a:xfrm>
+        </p:spPr>
+        <p:txBody>
+          <a:bodyPr anchor="ctr"/>
+          <a:lstStyle/>
+          <a:p>
+            <a:pPr algn="ctr"/>
+            <a:r>
+              <a:rPr lang="es-ES" dirty="0" smtClean="0"/>
+              <a:t>Botones y enlaces</a:t>
+            </a:r>
+            <a:endParaRPr lang="es-ES" dirty="0"/>
+          </a:p>
+        </p:txBody>
+      </p:sp>
+      <p:sp>
+        <p:nvSpPr>
+          <p:cNvPr id="3" name="2 Marcador de texto"/>
+          <p:cNvSpPr>
+            <a:spLocks noGrp="1"/>
+          </p:cNvSpPr>
+          <p:nvPr>
+            <p:ph type="body" idx="1"/>
+          </p:nvPr>
+        </p:nvSpPr>
+        <p:spPr>
+          <a:xfrm>
+            <a:off x="1295898" y="1619597"/>
+            <a:ext cx="6408712" cy="503978"/>
+          </a:xfrm>
+        </p:spPr>
         <p:txBody>
           <a:bodyPr/>
           <a:lstStyle/>
           <a:p>
             <a:r>
               <a:rPr lang="es-ES" dirty="0" smtClean="0"/>
-              <a:t>Futuras mejoras</a:t>
-            </a:r>
-            <a:endParaRPr lang="es-ES" dirty="0"/>
-          </a:p>
-        </p:txBody>
-      </p:sp>
-      <p:sp>
-        <p:nvSpPr>
-          <p:cNvPr id="3" name="2 Marcador de contenido"/>
-          <p:cNvSpPr>
-            <a:spLocks noGrp="1"/>
-          </p:cNvSpPr>
-          <p:nvPr>
-            <p:ph idx="1"/>
-          </p:nvPr>
-        </p:nvSpPr>
-        <p:spPr/>
-        <p:txBody>
-          <a:bodyPr/>
-          <a:lstStyle/>
-          <a:p>
-            <a:pPr>
-              <a:lnSpc>
-                <a:spcPct val="200000"/>
-              </a:lnSpc>
-            </a:pPr>
-            <a:r>
-              <a:rPr lang="es-ES" dirty="0" smtClean="0"/>
-              <a:t>Imagen logotipo adaptable</a:t>
-            </a:r>
-          </a:p>
-          <a:p>
-            <a:pPr>
-              <a:lnSpc>
-                <a:spcPct val="200000"/>
-              </a:lnSpc>
-            </a:pPr>
-            <a:r>
-              <a:rPr lang="es-ES" dirty="0" smtClean="0"/>
-              <a:t>Diferenciar fuente según sección</a:t>
-            </a:r>
-          </a:p>
-          <a:p>
-            <a:pPr>
-              <a:lnSpc>
-                <a:spcPct val="200000"/>
-              </a:lnSpc>
-            </a:pPr>
-            <a:r>
-              <a:rPr lang="es-ES" dirty="0" smtClean="0"/>
-              <a:t>Añadir algún widget</a:t>
+              <a:t>theme-flat.css</a:t>
             </a:r>
             <a:endParaRPr lang="es-ES" dirty="0"/>
           </a:p>
@@ -9181,11 +8953,13 @@
       </p:sp>
       <p:pic>
         <p:nvPicPr>
-          <p:cNvPr id="4" name="3 Imagen"/>
+          <p:cNvPr id="10" name="9 Marcador de contenido"/>
           <p:cNvPicPr>
-            <a:picLocks noChangeAspect="1"/>
+            <a:picLocks noGrp="1" noChangeAspect="1"/>
           </p:cNvPicPr>
-          <p:nvPr/>
+          <p:nvPr>
+            <p:ph sz="quarter" idx="4"/>
+          </p:nvPr>
         </p:nvPicPr>
         <p:blipFill>
           <a:blip r:embed="rId2">
@@ -9201,21 +8975,25 @@
         </p:blipFill>
         <p:spPr>
           <a:xfrm>
-            <a:off x="4824288" y="4643933"/>
-            <a:ext cx="3352800" cy="1828800"/>
-          </a:xfrm>
-          <a:prstGeom prst="rect">
-            <a:avLst/>
-          </a:prstGeom>
+            <a:off x="2087985" y="5580037"/>
+            <a:ext cx="5328591" cy="864096"/>
+          </a:xfrm>
+          <a:ln w="6350">
+            <a:solidFill>
+              <a:schemeClr val="tx1"/>
+            </a:solidFill>
+          </a:ln>
         </p:spPr>
       </p:pic>
       <p:pic>
         <p:nvPicPr>
-          <p:cNvPr id="5" name="4 Imagen"/>
+          <p:cNvPr id="9" name="8 Marcador de contenido"/>
           <p:cNvPicPr>
-            <a:picLocks noChangeAspect="1"/>
+            <a:picLocks noGrp="1" noChangeAspect="1"/>
           </p:cNvPicPr>
-          <p:nvPr/>
+          <p:nvPr>
+            <p:ph sz="quarter" idx="2"/>
+          </p:nvPr>
         </p:nvPicPr>
         <p:blipFill>
           <a:blip r:embed="rId3">
@@ -9231,18 +9009,145 @@
         </p:blipFill>
         <p:spPr>
           <a:xfrm>
-            <a:off x="647824" y="5364013"/>
-            <a:ext cx="3852428" cy="792088"/>
-          </a:xfrm>
-          <a:prstGeom prst="rect">
-            <a:avLst/>
-          </a:prstGeom>
+            <a:off x="2087984" y="2843733"/>
+            <a:ext cx="5306586" cy="2555580"/>
+          </a:xfrm>
+          <a:ln w="6350">
+            <a:solidFill>
+              <a:schemeClr val="tx1"/>
+            </a:solidFill>
+          </a:ln>
         </p:spPr>
       </p:pic>
     </p:spTree>
     <p:extLst>
       <p:ext uri="{BB962C8B-B14F-4D97-AF65-F5344CB8AC3E}">
-        <p14:creationId xmlns:p14="http://schemas.microsoft.com/office/powerpoint/2010/main" val="2516492574"/>
+        <p14:creationId xmlns:p14="http://schemas.microsoft.com/office/powerpoint/2010/main" val="3701018689"/>
+      </p:ext>
+    </p:extLst>
+  </p:cSld>
+  <p:clrMapOvr>
+    <a:masterClrMapping/>
+  </p:clrMapOvr>
+  <p:timing>
+    <p:tnLst>
+      <p:par>
+        <p:cTn id="1" dur="indefinite" restart="never" nodeType="tmRoot"/>
+      </p:par>
+    </p:tnLst>
+  </p:timing>
+</p:sld>
+</file>
+
+<file path=ppt/slides/slide19.xml><?xml version="1.0" encoding="utf-8"?>
+<p:sld xmlns:a="http://schemas.openxmlformats.org/drawingml/2006/main" xmlns:r="http://schemas.openxmlformats.org/officeDocument/2006/relationships" xmlns:p="http://schemas.openxmlformats.org/presentationml/2006/main">
+  <p:cSld>
+    <p:spTree>
+      <p:nvGrpSpPr>
+        <p:cNvPr id="1" name=""/>
+        <p:cNvGrpSpPr/>
+        <p:nvPr/>
+      </p:nvGrpSpPr>
+      <p:grpSpPr>
+        <a:xfrm>
+          <a:off x="0" y="0"/>
+          <a:ext cx="0" cy="0"/>
+          <a:chOff x="0" y="0"/>
+          <a:chExt cx="0" cy="0"/>
+        </a:xfrm>
+      </p:grpSpPr>
+      <p:sp>
+        <p:nvSpPr>
+          <p:cNvPr id="7" name="6 Título"/>
+          <p:cNvSpPr>
+            <a:spLocks noGrp="1"/>
+          </p:cNvSpPr>
+          <p:nvPr>
+            <p:ph type="title"/>
+          </p:nvPr>
+        </p:nvSpPr>
+        <p:spPr/>
+        <p:txBody>
+          <a:bodyPr anchor="t">
+            <a:normAutofit/>
+          </a:bodyPr>
+          <a:lstStyle/>
+          <a:p>
+            <a:pPr algn="ctr"/>
+            <a:r>
+              <a:rPr lang="es-ES" sz="4400" dirty="0" smtClean="0"/>
+              <a:t>Adaptable según el ciclo</a:t>
+            </a:r>
+            <a:endParaRPr lang="es-ES" sz="4400" dirty="0"/>
+          </a:p>
+        </p:txBody>
+      </p:sp>
+      <p:sp>
+        <p:nvSpPr>
+          <p:cNvPr id="8" name="7 Marcador de contenido"/>
+          <p:cNvSpPr>
+            <a:spLocks noGrp="1"/>
+          </p:cNvSpPr>
+          <p:nvPr>
+            <p:ph idx="1"/>
+          </p:nvPr>
+        </p:nvSpPr>
+        <p:spPr/>
+        <p:txBody>
+          <a:bodyPr anchor="ctr"/>
+          <a:lstStyle/>
+          <a:p>
+            <a:r>
+              <a:rPr lang="es-ES" dirty="0" smtClean="0"/>
+              <a:t>Cambiar el color de fondo</a:t>
+            </a:r>
+          </a:p>
+          <a:p>
+            <a:pPr lvl="1"/>
+            <a:r>
+              <a:rPr lang="es-ES" dirty="0"/>
+              <a:t>Diferentes escalas de un mismo color</a:t>
+            </a:r>
+            <a:r>
+              <a:rPr lang="es-ES" dirty="0" smtClean="0"/>
+              <a:t>.</a:t>
+            </a:r>
+          </a:p>
+          <a:p>
+            <a:pPr lvl="1"/>
+            <a:endParaRPr lang="es-ES" dirty="0" smtClean="0"/>
+          </a:p>
+          <a:p>
+            <a:r>
+              <a:rPr lang="es-ES" dirty="0" smtClean="0"/>
+              <a:t>Cambiar la fuente</a:t>
+            </a:r>
+          </a:p>
+          <a:p>
+            <a:pPr lvl="1"/>
+            <a:r>
+              <a:rPr lang="es-ES" dirty="0" smtClean="0"/>
+              <a:t>Teniendo en cuenta los estilos de </a:t>
+            </a:r>
+            <a:r>
+              <a:rPr lang="es-ES" dirty="0" err="1" smtClean="0"/>
+              <a:t>Egibide</a:t>
+            </a:r>
+            <a:r>
+              <a:rPr lang="es-ES" dirty="0" smtClean="0"/>
+              <a:t>.</a:t>
+            </a:r>
+          </a:p>
+          <a:p>
+            <a:pPr lvl="1"/>
+            <a:endParaRPr lang="es-ES" dirty="0" smtClean="0"/>
+          </a:p>
+        </p:txBody>
+      </p:sp>
+    </p:spTree>
+    <p:extLst>
+      <p:ext uri="{BB962C8B-B14F-4D97-AF65-F5344CB8AC3E}">
+        <p14:creationId xmlns:p14="http://schemas.microsoft.com/office/powerpoint/2010/main" val="1393744576"/>
       </p:ext>
     </p:extLst>
   </p:cSld>
@@ -9414,6 +9319,176 @@
     <p:extLst>
       <p:ext uri="{BB962C8B-B14F-4D97-AF65-F5344CB8AC3E}">
         <p14:creationId xmlns:p14="http://schemas.microsoft.com/office/powerpoint/2010/main" val="1028925588"/>
+      </p:ext>
+    </p:extLst>
+  </p:cSld>
+  <p:clrMapOvr>
+    <a:masterClrMapping/>
+  </p:clrMapOvr>
+  <p:timing>
+    <p:tnLst>
+      <p:par>
+        <p:cTn id="1" dur="indefinite" restart="never" nodeType="tmRoot"/>
+      </p:par>
+    </p:tnLst>
+  </p:timing>
+</p:sld>
+</file>
+
+<file path=ppt/slides/slide20.xml><?xml version="1.0" encoding="utf-8"?>
+<p:sld xmlns:a="http://schemas.openxmlformats.org/drawingml/2006/main" xmlns:r="http://schemas.openxmlformats.org/officeDocument/2006/relationships" xmlns:p="http://schemas.openxmlformats.org/presentationml/2006/main">
+  <p:cSld>
+    <p:spTree>
+      <p:nvGrpSpPr>
+        <p:cNvPr id="1" name=""/>
+        <p:cNvGrpSpPr/>
+        <p:nvPr/>
+      </p:nvGrpSpPr>
+      <p:grpSpPr>
+        <a:xfrm>
+          <a:off x="0" y="0"/>
+          <a:ext cx="0" cy="0"/>
+          <a:chOff x="0" y="0"/>
+          <a:chExt cx="0" cy="0"/>
+        </a:xfrm>
+      </p:grpSpPr>
+      <p:sp>
+        <p:nvSpPr>
+          <p:cNvPr id="2" name="1 Título"/>
+          <p:cNvSpPr>
+            <a:spLocks noGrp="1"/>
+          </p:cNvSpPr>
+          <p:nvPr>
+            <p:ph type="title"/>
+          </p:nvPr>
+        </p:nvSpPr>
+        <p:spPr/>
+        <p:txBody>
+          <a:bodyPr/>
+          <a:lstStyle/>
+          <a:p>
+            <a:r>
+              <a:rPr lang="es-ES" dirty="0" smtClean="0"/>
+              <a:t>Futuras mejoras</a:t>
+            </a:r>
+            <a:endParaRPr lang="es-ES" dirty="0"/>
+          </a:p>
+        </p:txBody>
+      </p:sp>
+      <p:sp>
+        <p:nvSpPr>
+          <p:cNvPr id="3" name="2 Marcador de contenido"/>
+          <p:cNvSpPr>
+            <a:spLocks noGrp="1"/>
+          </p:cNvSpPr>
+          <p:nvPr>
+            <p:ph idx="1"/>
+          </p:nvPr>
+        </p:nvSpPr>
+        <p:spPr/>
+        <p:txBody>
+          <a:bodyPr/>
+          <a:lstStyle/>
+          <a:p>
+            <a:pPr>
+              <a:lnSpc>
+                <a:spcPct val="200000"/>
+              </a:lnSpc>
+            </a:pPr>
+            <a:r>
+              <a:rPr lang="es-ES" dirty="0" smtClean="0"/>
+              <a:t>Imagen logotipo adaptable</a:t>
+            </a:r>
+          </a:p>
+          <a:p>
+            <a:pPr>
+              <a:lnSpc>
+                <a:spcPct val="200000"/>
+              </a:lnSpc>
+            </a:pPr>
+            <a:r>
+              <a:rPr lang="es-ES" dirty="0" smtClean="0"/>
+              <a:t>Diferenciar fuente según sección</a:t>
+            </a:r>
+          </a:p>
+          <a:p>
+            <a:pPr>
+              <a:lnSpc>
+                <a:spcPct val="200000"/>
+              </a:lnSpc>
+            </a:pPr>
+            <a:r>
+              <a:rPr lang="es-ES" dirty="0" smtClean="0"/>
+              <a:t>Añadir algún widget</a:t>
+            </a:r>
+            <a:endParaRPr lang="es-ES" dirty="0"/>
+          </a:p>
+        </p:txBody>
+      </p:sp>
+      <p:pic>
+        <p:nvPicPr>
+          <p:cNvPr id="4" name="3 Imagen"/>
+          <p:cNvPicPr>
+            <a:picLocks noChangeAspect="1"/>
+          </p:cNvPicPr>
+          <p:nvPr/>
+        </p:nvPicPr>
+        <p:blipFill>
+          <a:blip r:embed="rId2">
+            <a:extLst>
+              <a:ext uri="{28A0092B-C50C-407E-A947-70E740481C1C}">
+                <a14:useLocalDpi xmlns:a14="http://schemas.microsoft.com/office/drawing/2010/main" val="0"/>
+              </a:ext>
+            </a:extLst>
+          </a:blip>
+          <a:stretch>
+            <a:fillRect/>
+          </a:stretch>
+        </p:blipFill>
+        <p:spPr>
+          <a:xfrm>
+            <a:off x="4824288" y="4643933"/>
+            <a:ext cx="3352800" cy="1828800"/>
+          </a:xfrm>
+          <a:prstGeom prst="rect">
+            <a:avLst/>
+          </a:prstGeom>
+        </p:spPr>
+      </p:pic>
+      <p:pic>
+        <p:nvPicPr>
+          <p:cNvPr id="5" name="4 Imagen"/>
+          <p:cNvPicPr>
+            <a:picLocks noChangeAspect="1"/>
+          </p:cNvPicPr>
+          <p:nvPr/>
+        </p:nvPicPr>
+        <p:blipFill>
+          <a:blip r:embed="rId3">
+            <a:extLst>
+              <a:ext uri="{28A0092B-C50C-407E-A947-70E740481C1C}">
+                <a14:useLocalDpi xmlns:a14="http://schemas.microsoft.com/office/drawing/2010/main" val="0"/>
+              </a:ext>
+            </a:extLst>
+          </a:blip>
+          <a:stretch>
+            <a:fillRect/>
+          </a:stretch>
+        </p:blipFill>
+        <p:spPr>
+          <a:xfrm>
+            <a:off x="647824" y="5364013"/>
+            <a:ext cx="3852428" cy="792088"/>
+          </a:xfrm>
+          <a:prstGeom prst="rect">
+            <a:avLst/>
+          </a:prstGeom>
+        </p:spPr>
+      </p:pic>
+    </p:spTree>
+    <p:extLst>
+      <p:ext uri="{BB962C8B-B14F-4D97-AF65-F5344CB8AC3E}">
+        <p14:creationId xmlns:p14="http://schemas.microsoft.com/office/powerpoint/2010/main" val="2516492574"/>
       </p:ext>
     </p:extLst>
   </p:cSld>
@@ -9851,7 +9926,7 @@
     <mc:Choice Requires="p14">
       <p:transition spd="slow" p14:dur="2000"/>
     </mc:Choice>
-    <mc:Fallback xmlns="">
+    <mc:Fallback xmlns="" xmlns:mv="urn:schemas-microsoft-com:mac:vml">
       <p:transition spd="slow"/>
     </mc:Fallback>
   </mc:AlternateContent>
@@ -10170,7 +10245,7 @@
     <mc:Choice Requires="p14">
       <p:transition spd="slow" p14:dur="2000"/>
     </mc:Choice>
-    <mc:Fallback xmlns="">
+    <mc:Fallback xmlns="" xmlns:mv="urn:schemas-microsoft-com:mac:vml">
       <p:transition spd="slow"/>
     </mc:Fallback>
   </mc:AlternateContent>
@@ -10381,6 +10456,157 @@
             <p:ph type="title"/>
           </p:nvPr>
         </p:nvSpPr>
+        <p:spPr/>
+        <p:txBody>
+          <a:bodyPr anchor="ctr">
+            <a:normAutofit fontScale="90000"/>
+          </a:bodyPr>
+          <a:lstStyle/>
+          <a:p>
+            <a:pPr algn="ctr"/>
+            <a:r>
+              <a:rPr lang="es-ES" dirty="0" smtClean="0"/>
+              <a:t> ventajas de utilizar wordpress</a:t>
+            </a:r>
+            <a:endParaRPr lang="es-ES" dirty="0"/>
+          </a:p>
+        </p:txBody>
+      </p:sp>
+      <p:sp>
+        <p:nvSpPr>
+          <p:cNvPr id="5" name="4 Marcador de contenido"/>
+          <p:cNvSpPr>
+            <a:spLocks noGrp="1"/>
+          </p:cNvSpPr>
+          <p:nvPr>
+            <p:ph sz="half" idx="2"/>
+          </p:nvPr>
+        </p:nvSpPr>
+        <p:spPr/>
+        <p:txBody>
+          <a:bodyPr anchor="ctr">
+            <a:normAutofit lnSpcReduction="10000"/>
+          </a:bodyPr>
+          <a:lstStyle/>
+          <a:p>
+            <a:r>
+              <a:rPr lang="es-ES" sz="2200" dirty="0" smtClean="0"/>
+              <a:t>Software libre. No pagas licencias</a:t>
+            </a:r>
+          </a:p>
+          <a:p>
+            <a:pPr>
+              <a:lnSpc>
+                <a:spcPct val="150000"/>
+              </a:lnSpc>
+            </a:pPr>
+            <a:r>
+              <a:rPr lang="es-ES" sz="2200" dirty="0" smtClean="0"/>
+              <a:t>Fácil de manejar</a:t>
+            </a:r>
+          </a:p>
+          <a:p>
+            <a:pPr>
+              <a:lnSpc>
+                <a:spcPct val="150000"/>
+              </a:lnSpc>
+            </a:pPr>
+            <a:r>
+              <a:rPr lang="es-ES" sz="2200" dirty="0" smtClean="0"/>
+              <a:t>Se puede modificar el código fuente</a:t>
+            </a:r>
+          </a:p>
+          <a:p>
+            <a:pPr>
+              <a:lnSpc>
+                <a:spcPct val="150000"/>
+              </a:lnSpc>
+            </a:pPr>
+            <a:r>
+              <a:rPr lang="es-ES" sz="2200" dirty="0" smtClean="0"/>
+              <a:t>Ofrece muchísimas plantillas o “temas”</a:t>
+            </a:r>
+          </a:p>
+          <a:p>
+            <a:pPr>
+              <a:lnSpc>
+                <a:spcPct val="150000"/>
+              </a:lnSpc>
+            </a:pPr>
+            <a:r>
+              <a:rPr lang="es-ES" sz="2200" dirty="0" smtClean="0"/>
+              <a:t>Hay infinidad de Plugins o “extensiones” para todo tipo de funcionalidades</a:t>
+            </a:r>
+            <a:endParaRPr lang="es-ES" sz="2200" dirty="0"/>
+          </a:p>
+        </p:txBody>
+      </p:sp>
+      <p:pic>
+        <p:nvPicPr>
+          <p:cNvPr id="10" name="Marcador de contenido 9" descr="wp-plugins1.gif"/>
+          <p:cNvPicPr>
+            <a:picLocks noGrp="1" noChangeAspect="1"/>
+          </p:cNvPicPr>
+          <p:nvPr>
+            <p:ph sz="half" idx="1"/>
+          </p:nvPr>
+        </p:nvPicPr>
+        <p:blipFill>
+          <a:blip r:embed="rId2"/>
+          <a:srcRect t="-50728" b="-50728"/>
+          <a:stretch>
+            <a:fillRect/>
+          </a:stretch>
+        </p:blipFill>
+        <p:spPr/>
+      </p:pic>
+    </p:spTree>
+    <p:extLst>
+      <p:ext uri="{BB962C8B-B14F-4D97-AF65-F5344CB8AC3E}">
+        <p14:creationId xmlns:p14="http://schemas.microsoft.com/office/powerpoint/2010/main" val="666191348"/>
+      </p:ext>
+    </p:extLst>
+  </p:cSld>
+  <p:clrMapOvr>
+    <a:masterClrMapping/>
+  </p:clrMapOvr>
+  <p:timing>
+    <p:tnLst>
+      <p:par>
+        <p:cTn id="1" dur="indefinite" restart="never" nodeType="tmRoot"/>
+      </p:par>
+    </p:tnLst>
+  </p:timing>
+</p:sld>
+</file>
+
+<file path=ppt/slides/slide8.xml><?xml version="1.0" encoding="utf-8"?>
+<p:sld xmlns:a="http://schemas.openxmlformats.org/drawingml/2006/main" xmlns:r="http://schemas.openxmlformats.org/officeDocument/2006/relationships" xmlns:p="http://schemas.openxmlformats.org/presentationml/2006/main">
+  <p:cSld>
+    <p:spTree>
+      <p:nvGrpSpPr>
+        <p:cNvPr id="1" name=""/>
+        <p:cNvGrpSpPr/>
+        <p:nvPr/>
+      </p:nvGrpSpPr>
+      <p:grpSpPr>
+        <a:xfrm>
+          <a:off x="0" y="0"/>
+          <a:ext cx="0" cy="0"/>
+          <a:chOff x="0" y="0"/>
+          <a:chExt cx="0" cy="0"/>
+        </a:xfrm>
+      </p:grpSpPr>
+      <p:sp>
+        <p:nvSpPr>
+          <p:cNvPr id="2" name="1 Título"/>
+          <p:cNvSpPr>
+            <a:spLocks noGrp="1"/>
+          </p:cNvSpPr>
+          <p:nvPr>
+            <p:ph type="title"/>
+          </p:nvPr>
+        </p:nvSpPr>
         <p:spPr>
           <a:xfrm>
             <a:off x="504031" y="352787"/>
@@ -10458,7 +10684,7 @@
 </p:sld>
 </file>
 
-<file path=ppt/slides/slide8.xml><?xml version="1.0" encoding="utf-8"?>
+<file path=ppt/slides/slide9.xml><?xml version="1.0" encoding="utf-8"?>
 <p:sld xmlns:a="http://schemas.openxmlformats.org/drawingml/2006/main" xmlns:r="http://schemas.openxmlformats.org/officeDocument/2006/relationships" xmlns:p="http://schemas.openxmlformats.org/presentationml/2006/main">
   <p:cSld>
     <p:spTree>
@@ -10559,11 +10785,7 @@
             </a:r>
             <a:r>
               <a:rPr lang="es-ES" dirty="0" smtClean="0"/>
-              <a:t>(130,0,94</a:t>
-            </a:r>
-            <a:r>
-              <a:rPr lang="es-ES" dirty="0" smtClean="0"/>
-              <a:t>)</a:t>
+              <a:t>(130,0,94)</a:t>
             </a:r>
           </a:p>
           <a:p>
@@ -10611,11 +10833,7 @@
           <a:p>
             <a:r>
               <a:rPr lang="es-ES" dirty="0" smtClean="0"/>
-              <a:t>Tipografía</a:t>
-            </a:r>
-            <a:r>
-              <a:rPr lang="es-ES" dirty="0" smtClean="0"/>
-              <a:t>: Helvética</a:t>
+              <a:t>Tipografía: Helvética</a:t>
             </a:r>
             <a:endParaRPr lang="es-ES" dirty="0"/>
           </a:p>
@@ -10719,160 +10937,6 @@
     <p:extLst>
       <p:ext uri="{BB962C8B-B14F-4D97-AF65-F5344CB8AC3E}">
         <p14:creationId xmlns:p14="http://schemas.microsoft.com/office/powerpoint/2010/main" val="3230756441"/>
-      </p:ext>
-    </p:extLst>
-  </p:cSld>
-  <p:clrMapOvr>
-    <a:masterClrMapping/>
-  </p:clrMapOvr>
-  <p:timing>
-    <p:tnLst>
-      <p:par>
-        <p:cTn id="1" dur="indefinite" restart="never" nodeType="tmRoot"/>
-      </p:par>
-    </p:tnLst>
-  </p:timing>
-</p:sld>
-</file>
-
-<file path=ppt/slides/slide9.xml><?xml version="1.0" encoding="utf-8"?>
-<p:sld xmlns:a="http://schemas.openxmlformats.org/drawingml/2006/main" xmlns:r="http://schemas.openxmlformats.org/officeDocument/2006/relationships" xmlns:p="http://schemas.openxmlformats.org/presentationml/2006/main">
-  <p:cSld>
-    <p:spTree>
-      <p:nvGrpSpPr>
-        <p:cNvPr id="1" name=""/>
-        <p:cNvGrpSpPr/>
-        <p:nvPr/>
-      </p:nvGrpSpPr>
-      <p:grpSpPr>
-        <a:xfrm>
-          <a:off x="0" y="0"/>
-          <a:ext cx="0" cy="0"/>
-          <a:chOff x="0" y="0"/>
-          <a:chExt cx="0" cy="0"/>
-        </a:xfrm>
-      </p:grpSpPr>
-      <p:sp>
-        <p:nvSpPr>
-          <p:cNvPr id="5" name="4 Título"/>
-          <p:cNvSpPr>
-            <a:spLocks noGrp="1"/>
-          </p:cNvSpPr>
-          <p:nvPr>
-            <p:ph type="title"/>
-          </p:nvPr>
-        </p:nvSpPr>
-        <p:spPr/>
-        <p:txBody>
-          <a:bodyPr anchor="ctr"/>
-          <a:lstStyle/>
-          <a:p>
-            <a:pPr algn="ctr"/>
-            <a:r>
-              <a:rPr lang="es-ES" dirty="0" err="1" smtClean="0"/>
-              <a:t>Pechakucha</a:t>
-            </a:r>
-            <a:endParaRPr lang="es-ES" dirty="0"/>
-          </a:p>
-        </p:txBody>
-      </p:sp>
-      <p:sp>
-        <p:nvSpPr>
-          <p:cNvPr id="6" name="5 Marcador de contenido"/>
-          <p:cNvSpPr>
-            <a:spLocks noGrp="1"/>
-          </p:cNvSpPr>
-          <p:nvPr>
-            <p:ph idx="1"/>
-          </p:nvPr>
-        </p:nvSpPr>
-        <p:spPr/>
-        <p:txBody>
-          <a:bodyPr anchor="t"/>
-          <a:lstStyle/>
-          <a:p>
-            <a:pPr>
-              <a:lnSpc>
-                <a:spcPct val="150000"/>
-              </a:lnSpc>
-            </a:pPr>
-            <a:r>
-              <a:rPr lang="es-ES" dirty="0"/>
-              <a:t>Japonés: cháchara o parloteo.</a:t>
-            </a:r>
-          </a:p>
-          <a:p>
-            <a:pPr>
-              <a:lnSpc>
-                <a:spcPct val="150000"/>
-              </a:lnSpc>
-            </a:pPr>
-            <a:r>
-              <a:rPr lang="es-ES" dirty="0" smtClean="0"/>
-              <a:t>Sencilla e informal</a:t>
-            </a:r>
-          </a:p>
-          <a:p>
-            <a:pPr>
-              <a:lnSpc>
-                <a:spcPct val="150000"/>
-              </a:lnSpc>
-            </a:pPr>
-            <a:r>
-              <a:rPr lang="es-ES" b="1" dirty="0" smtClean="0"/>
-              <a:t>20x20</a:t>
-            </a:r>
-          </a:p>
-          <a:p>
-            <a:pPr>
-              <a:lnSpc>
-                <a:spcPct val="150000"/>
-              </a:lnSpc>
-            </a:pPr>
-            <a:r>
-              <a:rPr lang="es-ES" dirty="0" smtClean="0"/>
-              <a:t>Tokio 2003. Encuentro de jóvenes emprendedores</a:t>
-            </a:r>
-          </a:p>
-          <a:p>
-            <a:endParaRPr lang="es-ES" dirty="0"/>
-          </a:p>
-        </p:txBody>
-      </p:sp>
-      <p:pic>
-        <p:nvPicPr>
-          <p:cNvPr id="7" name="6 Imagen"/>
-          <p:cNvPicPr>
-            <a:picLocks noChangeAspect="1"/>
-          </p:cNvPicPr>
-          <p:nvPr/>
-        </p:nvPicPr>
-        <p:blipFill>
-          <a:blip r:embed="rId2">
-            <a:extLst>
-              <a:ext uri="{28A0092B-C50C-407E-A947-70E740481C1C}">
-                <a14:useLocalDpi xmlns:a14="http://schemas.microsoft.com/office/drawing/2010/main" val="0"/>
-              </a:ext>
-            </a:extLst>
-          </a:blip>
-          <a:stretch>
-            <a:fillRect/>
-          </a:stretch>
-        </p:blipFill>
-        <p:spPr>
-          <a:xfrm>
-            <a:off x="5256338" y="5039701"/>
-            <a:ext cx="3192573" cy="2124512"/>
-          </a:xfrm>
-          <a:prstGeom prst="rect">
-            <a:avLst/>
-          </a:prstGeom>
-        </p:spPr>
-      </p:pic>
-    </p:spTree>
-    <p:extLst>
-      <p:ext uri="{BB962C8B-B14F-4D97-AF65-F5344CB8AC3E}">
-        <p14:creationId xmlns:p14="http://schemas.microsoft.com/office/powerpoint/2010/main" val="2245188415"/>
       </p:ext>
     </p:extLst>
   </p:cSld>
